--- a/input/images-source/LabExampleE5Technical.pptx
+++ b/input/images-source/LabExampleE5Technical.pptx
@@ -259,7 +259,7 @@
           <a:p>
             <a:fld id="{82A80506-317F-4DB9-92D4-7565E8A7FA19}" type="datetimeFigureOut">
               <a:rPr lang="fr-FR" smtClean="0"/>
-              <a:t>11/02/2020</a:t>
+              <a:t>13/02/2020</a:t>
             </a:fld>
             <a:endParaRPr lang="fr-FR"/>
           </a:p>
@@ -457,7 +457,7 @@
           <a:p>
             <a:fld id="{82A80506-317F-4DB9-92D4-7565E8A7FA19}" type="datetimeFigureOut">
               <a:rPr lang="fr-FR" smtClean="0"/>
-              <a:t>11/02/2020</a:t>
+              <a:t>13/02/2020</a:t>
             </a:fld>
             <a:endParaRPr lang="fr-FR"/>
           </a:p>
@@ -665,7 +665,7 @@
           <a:p>
             <a:fld id="{82A80506-317F-4DB9-92D4-7565E8A7FA19}" type="datetimeFigureOut">
               <a:rPr lang="fr-FR" smtClean="0"/>
-              <a:t>11/02/2020</a:t>
+              <a:t>13/02/2020</a:t>
             </a:fld>
             <a:endParaRPr lang="fr-FR"/>
           </a:p>
@@ -863,7 +863,7 @@
           <a:p>
             <a:fld id="{82A80506-317F-4DB9-92D4-7565E8A7FA19}" type="datetimeFigureOut">
               <a:rPr lang="fr-FR" smtClean="0"/>
-              <a:t>11/02/2020</a:t>
+              <a:t>13/02/2020</a:t>
             </a:fld>
             <a:endParaRPr lang="fr-FR"/>
           </a:p>
@@ -1138,7 +1138,7 @@
           <a:p>
             <a:fld id="{82A80506-317F-4DB9-92D4-7565E8A7FA19}" type="datetimeFigureOut">
               <a:rPr lang="fr-FR" smtClean="0"/>
-              <a:t>11/02/2020</a:t>
+              <a:t>13/02/2020</a:t>
             </a:fld>
             <a:endParaRPr lang="fr-FR"/>
           </a:p>
@@ -1403,7 +1403,7 @@
           <a:p>
             <a:fld id="{82A80506-317F-4DB9-92D4-7565E8A7FA19}" type="datetimeFigureOut">
               <a:rPr lang="fr-FR" smtClean="0"/>
-              <a:t>11/02/2020</a:t>
+              <a:t>13/02/2020</a:t>
             </a:fld>
             <a:endParaRPr lang="fr-FR"/>
           </a:p>
@@ -1815,7 +1815,7 @@
           <a:p>
             <a:fld id="{82A80506-317F-4DB9-92D4-7565E8A7FA19}" type="datetimeFigureOut">
               <a:rPr lang="fr-FR" smtClean="0"/>
-              <a:t>11/02/2020</a:t>
+              <a:t>13/02/2020</a:t>
             </a:fld>
             <a:endParaRPr lang="fr-FR"/>
           </a:p>
@@ -1956,7 +1956,7 @@
           <a:p>
             <a:fld id="{82A80506-317F-4DB9-92D4-7565E8A7FA19}" type="datetimeFigureOut">
               <a:rPr lang="fr-FR" smtClean="0"/>
-              <a:t>11/02/2020</a:t>
+              <a:t>13/02/2020</a:t>
             </a:fld>
             <a:endParaRPr lang="fr-FR"/>
           </a:p>
@@ -2069,7 +2069,7 @@
           <a:p>
             <a:fld id="{82A80506-317F-4DB9-92D4-7565E8A7FA19}" type="datetimeFigureOut">
               <a:rPr lang="fr-FR" smtClean="0"/>
-              <a:t>11/02/2020</a:t>
+              <a:t>13/02/2020</a:t>
             </a:fld>
             <a:endParaRPr lang="fr-FR"/>
           </a:p>
@@ -2380,7 +2380,7 @@
           <a:p>
             <a:fld id="{82A80506-317F-4DB9-92D4-7565E8A7FA19}" type="datetimeFigureOut">
               <a:rPr lang="fr-FR" smtClean="0"/>
-              <a:t>11/02/2020</a:t>
+              <a:t>13/02/2020</a:t>
             </a:fld>
             <a:endParaRPr lang="fr-FR"/>
           </a:p>
@@ -2668,7 +2668,7 @@
           <a:p>
             <a:fld id="{82A80506-317F-4DB9-92D4-7565E8A7FA19}" type="datetimeFigureOut">
               <a:rPr lang="fr-FR" smtClean="0"/>
-              <a:t>11/02/2020</a:t>
+              <a:t>13/02/2020</a:t>
             </a:fld>
             <a:endParaRPr lang="fr-FR"/>
           </a:p>
@@ -2909,7 +2909,7 @@
           <a:p>
             <a:fld id="{82A80506-317F-4DB9-92D4-7565E8A7FA19}" type="datetimeFigureOut">
               <a:rPr lang="fr-FR" smtClean="0"/>
-              <a:t>11/02/2020</a:t>
+              <a:t>13/02/2020</a:t>
             </a:fld>
             <a:endParaRPr lang="fr-FR"/>
           </a:p>
@@ -3414,8 +3414,8 @@
         </p:nvCxnSpPr>
         <p:spPr>
           <a:xfrm flipV="1">
-            <a:off x="5100699" y="1097110"/>
-            <a:ext cx="1179320" cy="3603165"/>
+            <a:off x="5100699" y="1228025"/>
+            <a:ext cx="1179320" cy="3090839"/>
           </a:xfrm>
           <a:prstGeom prst="straightConnector1">
             <a:avLst/>
@@ -3528,7 +3528,7 @@
         <p:spPr>
           <a:xfrm>
             <a:off x="2359374" y="695167"/>
-            <a:ext cx="3602074" cy="5726516"/>
+            <a:ext cx="3602074" cy="5309337"/>
           </a:xfrm>
           <a:prstGeom prst="roundRect">
             <a:avLst>
@@ -3595,30 +3595,6 @@
                   <a:srgbClr val="0070C0"/>
                 </a:solidFill>
               </a:rPr>
-              <a:t>identifier: </a:t>
-            </a:r>
-            <a:r>
-              <a:rPr lang="en-US" sz="1600" noProof="1">
-                <a:solidFill>
-                  <a:schemeClr val="tx1"/>
-                </a:solidFill>
-              </a:rPr>
-              <a:t>E5</a:t>
-            </a:r>
-            <a:endParaRPr lang="en-US" sz="1600" noProof="1">
-              <a:solidFill>
-                <a:srgbClr val="0070C0"/>
-              </a:solidFill>
-            </a:endParaRPr>
-          </a:p>
-          <a:p>
-            <a:pPr marL="176213"/>
-            <a:r>
-              <a:rPr lang="en-US" sz="1600" noProof="1">
-                <a:solidFill>
-                  <a:srgbClr val="0070C0"/>
-                </a:solidFill>
-              </a:rPr>
               <a:t>title: </a:t>
             </a:r>
             <a:r>
@@ -3682,7 +3658,7 @@
                   <a:srgbClr val="FFFF00"/>
                 </a:highlight>
               </a:rPr>
-              <a:t>useContext {code: task, value: LABOE}</a:t>
+              <a:t>useContext (code: task, value: LABOE)</a:t>
             </a:r>
           </a:p>
           <a:p>
@@ -3954,8 +3930,8 @@
         </p:nvSpPr>
         <p:spPr>
           <a:xfrm>
-            <a:off x="6280019" y="390473"/>
-            <a:ext cx="3110343" cy="1413273"/>
+            <a:off x="6280019" y="652303"/>
+            <a:ext cx="3110343" cy="1151443"/>
           </a:xfrm>
           <a:prstGeom prst="roundRect">
             <a:avLst>
@@ -4006,30 +3982,6 @@
                   <a:srgbClr val="0070C0"/>
                 </a:solidFill>
               </a:rPr>
-              <a:t>Identifier: </a:t>
-            </a:r>
-            <a:r>
-              <a:rPr lang="en-US" sz="1600" noProof="1">
-                <a:solidFill>
-                  <a:schemeClr val="tx1"/>
-                </a:solidFill>
-              </a:rPr>
-              <a:t>SCVB</a:t>
-            </a:r>
-            <a:endParaRPr lang="en-US" sz="1600" noProof="1">
-              <a:solidFill>
-                <a:srgbClr val="0070C0"/>
-              </a:solidFill>
-            </a:endParaRPr>
-          </a:p>
-          <a:p>
-            <a:pPr marL="268288"/>
-            <a:r>
-              <a:rPr lang="en-US" sz="1600" noProof="1">
-                <a:solidFill>
-                  <a:srgbClr val="0070C0"/>
-                </a:solidFill>
-              </a:rPr>
               <a:t>title: </a:t>
             </a:r>
             <a:r>
@@ -4080,7 +4032,7 @@
         <p:spPr>
           <a:xfrm>
             <a:off x="6302147" y="1939088"/>
-            <a:ext cx="3110343" cy="1413273"/>
+            <a:ext cx="3110343" cy="1151443"/>
           </a:xfrm>
           <a:prstGeom prst="roundRect">
             <a:avLst>
@@ -4122,30 +4074,6 @@
               </a:rPr>
               <a:t>ActivityDefinition</a:t>
             </a:r>
-          </a:p>
-          <a:p>
-            <a:pPr marL="176213"/>
-            <a:r>
-              <a:rPr lang="en-US" sz="1600" noProof="1">
-                <a:solidFill>
-                  <a:srgbClr val="0070C0"/>
-                </a:solidFill>
-              </a:rPr>
-              <a:t>Identifier: </a:t>
-            </a:r>
-            <a:r>
-              <a:rPr lang="en-US" sz="1600" noProof="1">
-                <a:solidFill>
-                  <a:schemeClr val="tx1"/>
-                </a:solidFill>
-              </a:rPr>
-              <a:t>SCCB</a:t>
-            </a:r>
-            <a:endParaRPr lang="en-US" sz="1600" noProof="1">
-              <a:solidFill>
-                <a:srgbClr val="0070C0"/>
-              </a:solidFill>
-            </a:endParaRPr>
           </a:p>
           <a:p>
             <a:pPr marL="176213"/>
@@ -4633,8 +4561,8 @@
         </p:nvCxnSpPr>
         <p:spPr>
           <a:xfrm flipV="1">
-            <a:off x="8705595" y="709457"/>
-            <a:ext cx="1291310" cy="629306"/>
+            <a:off x="8612155" y="709457"/>
+            <a:ext cx="1384750" cy="674739"/>
           </a:xfrm>
           <a:prstGeom prst="straightConnector1">
             <a:avLst/>
@@ -4678,8 +4606,8 @@
         </p:nvCxnSpPr>
         <p:spPr>
           <a:xfrm flipV="1">
-            <a:off x="8705595" y="1432594"/>
-            <a:ext cx="1291310" cy="1513924"/>
+            <a:off x="8546841" y="1432594"/>
+            <a:ext cx="1450064" cy="1205634"/>
           </a:xfrm>
           <a:prstGeom prst="straightConnector1">
             <a:avLst/>
@@ -4768,8 +4696,8 @@
         </p:nvCxnSpPr>
         <p:spPr>
           <a:xfrm flipV="1">
-            <a:off x="9351250" y="2249248"/>
-            <a:ext cx="517837" cy="865374"/>
+            <a:off x="9246637" y="2249248"/>
+            <a:ext cx="622450" cy="656375"/>
           </a:xfrm>
           <a:prstGeom prst="straightConnector1">
             <a:avLst/>
@@ -4813,7 +4741,7 @@
         <p:spPr>
           <a:xfrm flipV="1">
             <a:off x="5100699" y="2785431"/>
-            <a:ext cx="1219975" cy="2367038"/>
+            <a:ext cx="1219975" cy="2066291"/>
           </a:xfrm>
           <a:prstGeom prst="straightConnector1">
             <a:avLst/>
@@ -4854,7 +4782,7 @@
         </p:nvSpPr>
         <p:spPr>
           <a:xfrm>
-            <a:off x="6320674" y="3514023"/>
+            <a:off x="6320674" y="3243436"/>
             <a:ext cx="3110343" cy="2150860"/>
           </a:xfrm>
           <a:prstGeom prst="roundRect">
@@ -5002,8 +4930,8 @@
         </p:nvCxnSpPr>
         <p:spPr>
           <a:xfrm flipV="1">
-            <a:off x="8727758" y="2998991"/>
-            <a:ext cx="1291310" cy="1247413"/>
+            <a:off x="8705595" y="2998991"/>
+            <a:ext cx="1313473" cy="972048"/>
           </a:xfrm>
           <a:prstGeom prst="straightConnector1">
             <a:avLst/>
@@ -5047,7 +4975,7 @@
         </p:nvCxnSpPr>
         <p:spPr>
           <a:xfrm flipV="1">
-            <a:off x="4800246" y="4589453"/>
+            <a:off x="4800246" y="4318866"/>
             <a:ext cx="1520428" cy="1015210"/>
           </a:xfrm>
           <a:prstGeom prst="straightConnector1">
@@ -5089,7 +5017,7 @@
         </p:nvSpPr>
         <p:spPr>
           <a:xfrm>
-            <a:off x="6320673" y="5820758"/>
+            <a:off x="6320673" y="5550171"/>
             <a:ext cx="3110343" cy="908669"/>
           </a:xfrm>
           <a:prstGeom prst="roundRect">
@@ -5182,7 +5110,7 @@
         </p:nvCxnSpPr>
         <p:spPr>
           <a:xfrm>
-            <a:off x="4800246" y="6102698"/>
+            <a:off x="4800246" y="5832111"/>
             <a:ext cx="1520427" cy="172395"/>
           </a:xfrm>
           <a:prstGeom prst="straightConnector1">
@@ -5227,8 +5155,8 @@
         </p:nvCxnSpPr>
         <p:spPr>
           <a:xfrm flipV="1">
-            <a:off x="9351250" y="6102698"/>
-            <a:ext cx="540000" cy="318984"/>
+            <a:off x="9351249" y="6102698"/>
+            <a:ext cx="540001" cy="114097"/>
           </a:xfrm>
           <a:prstGeom prst="straightConnector1">
             <a:avLst/>
@@ -5272,8 +5200,8 @@
         </p:nvCxnSpPr>
         <p:spPr>
           <a:xfrm flipV="1">
-            <a:off x="8880158" y="3748735"/>
-            <a:ext cx="1011094" cy="650070"/>
+            <a:off x="8880157" y="3748735"/>
+            <a:ext cx="1011095" cy="437816"/>
           </a:xfrm>
           <a:prstGeom prst="straightConnector1">
             <a:avLst/>
@@ -5316,9 +5244,9 @@
           <p:nvPr/>
         </p:nvCxnSpPr>
         <p:spPr>
-          <a:xfrm flipV="1">
-            <a:off x="8880157" y="4545628"/>
-            <a:ext cx="1011094" cy="178685"/>
+          <a:xfrm>
+            <a:off x="8880157" y="4479574"/>
+            <a:ext cx="1011094" cy="66054"/>
           </a:xfrm>
           <a:prstGeom prst="straightConnector1">
             <a:avLst/>
@@ -5361,9 +5289,9 @@
           <p:nvPr/>
         </p:nvCxnSpPr>
         <p:spPr>
-          <a:xfrm flipV="1">
-            <a:off x="9351250" y="5345898"/>
-            <a:ext cx="540000" cy="114097"/>
+          <a:xfrm>
+            <a:off x="9351249" y="5236374"/>
+            <a:ext cx="540001" cy="109524"/>
           </a:xfrm>
           <a:prstGeom prst="straightConnector1">
             <a:avLst/>
@@ -5406,8 +5334,8 @@
         </p:nvCxnSpPr>
         <p:spPr>
           <a:xfrm flipV="1">
-            <a:off x="9373413" y="4635500"/>
-            <a:ext cx="519887" cy="629629"/>
+            <a:off x="9390362" y="4635501"/>
+            <a:ext cx="502938" cy="275365"/>
           </a:xfrm>
           <a:prstGeom prst="straightConnector1">
             <a:avLst/>
@@ -5450,8 +5378,8 @@
         </p:nvCxnSpPr>
         <p:spPr>
           <a:xfrm flipV="1">
-            <a:off x="9351249" y="3873500"/>
-            <a:ext cx="529351" cy="1101649"/>
+            <a:off x="9340599" y="3873501"/>
+            <a:ext cx="540001" cy="844288"/>
           </a:xfrm>
           <a:prstGeom prst="straightConnector1">
             <a:avLst/>
@@ -5492,7 +5420,7 @@
         </p:nvSpPr>
         <p:spPr>
           <a:xfrm>
-            <a:off x="947584" y="3063822"/>
+            <a:off x="947584" y="2793226"/>
             <a:ext cx="324464" cy="3119030"/>
           </a:xfrm>
           <a:prstGeom prst="leftBrace">
@@ -5546,7 +5474,7 @@
         </p:nvSpPr>
         <p:spPr>
           <a:xfrm>
-            <a:off x="225632" y="4278018"/>
+            <a:off x="225632" y="4007422"/>
             <a:ext cx="796413" cy="646331"/>
           </a:xfrm>
           <a:prstGeom prst="rect">
@@ -5587,7 +5515,7 @@
         </p:nvSpPr>
         <p:spPr>
           <a:xfrm>
-            <a:off x="1916299" y="3806312"/>
+            <a:off x="1916299" y="3535716"/>
             <a:ext cx="324464" cy="1361069"/>
           </a:xfrm>
           <a:prstGeom prst="leftBrace">
@@ -5641,7 +5569,7 @@
         </p:nvSpPr>
         <p:spPr>
           <a:xfrm>
-            <a:off x="1342713" y="4128742"/>
+            <a:off x="1342713" y="3858146"/>
             <a:ext cx="796413" cy="646331"/>
           </a:xfrm>
           <a:prstGeom prst="rect">
@@ -5682,7 +5610,7 @@
         </p:nvCxnSpPr>
         <p:spPr>
           <a:xfrm>
-            <a:off x="1342713" y="3063822"/>
+            <a:off x="1342713" y="2793226"/>
             <a:ext cx="1453335" cy="0"/>
           </a:xfrm>
           <a:prstGeom prst="line">
@@ -5728,7 +5656,7 @@
         </p:nvCxnSpPr>
         <p:spPr>
           <a:xfrm>
-            <a:off x="1371290" y="6182852"/>
+            <a:off x="1371290" y="5912256"/>
             <a:ext cx="1424758" cy="0"/>
           </a:xfrm>
           <a:prstGeom prst="line">
@@ -5774,7 +5702,7 @@
         </p:nvCxnSpPr>
         <p:spPr>
           <a:xfrm>
-            <a:off x="2325329" y="3806312"/>
+            <a:off x="2325329" y="3535716"/>
             <a:ext cx="755855" cy="0"/>
           </a:xfrm>
           <a:prstGeom prst="line">
@@ -5820,7 +5748,7 @@
         </p:nvCxnSpPr>
         <p:spPr>
           <a:xfrm>
-            <a:off x="2303206" y="5167381"/>
+            <a:off x="2303206" y="4896785"/>
             <a:ext cx="755855" cy="0"/>
           </a:xfrm>
           <a:prstGeom prst="line">

--- a/input/images-source/LabExampleE5Technical.pptx
+++ b/input/images-source/LabExampleE5Technical.pptx
@@ -259,7 +259,7 @@
           <a:p>
             <a:fld id="{82A80506-317F-4DB9-92D4-7565E8A7FA19}" type="datetimeFigureOut">
               <a:rPr lang="fr-FR" smtClean="0"/>
-              <a:t>13/02/2020</a:t>
+              <a:t>08/06/2020</a:t>
             </a:fld>
             <a:endParaRPr lang="fr-FR"/>
           </a:p>
@@ -457,7 +457,7 @@
           <a:p>
             <a:fld id="{82A80506-317F-4DB9-92D4-7565E8A7FA19}" type="datetimeFigureOut">
               <a:rPr lang="fr-FR" smtClean="0"/>
-              <a:t>13/02/2020</a:t>
+              <a:t>08/06/2020</a:t>
             </a:fld>
             <a:endParaRPr lang="fr-FR"/>
           </a:p>
@@ -665,7 +665,7 @@
           <a:p>
             <a:fld id="{82A80506-317F-4DB9-92D4-7565E8A7FA19}" type="datetimeFigureOut">
               <a:rPr lang="fr-FR" smtClean="0"/>
-              <a:t>13/02/2020</a:t>
+              <a:t>08/06/2020</a:t>
             </a:fld>
             <a:endParaRPr lang="fr-FR"/>
           </a:p>
@@ -863,7 +863,7 @@
           <a:p>
             <a:fld id="{82A80506-317F-4DB9-92D4-7565E8A7FA19}" type="datetimeFigureOut">
               <a:rPr lang="fr-FR" smtClean="0"/>
-              <a:t>13/02/2020</a:t>
+              <a:t>08/06/2020</a:t>
             </a:fld>
             <a:endParaRPr lang="fr-FR"/>
           </a:p>
@@ -1138,7 +1138,7 @@
           <a:p>
             <a:fld id="{82A80506-317F-4DB9-92D4-7565E8A7FA19}" type="datetimeFigureOut">
               <a:rPr lang="fr-FR" smtClean="0"/>
-              <a:t>13/02/2020</a:t>
+              <a:t>08/06/2020</a:t>
             </a:fld>
             <a:endParaRPr lang="fr-FR"/>
           </a:p>
@@ -1403,7 +1403,7 @@
           <a:p>
             <a:fld id="{82A80506-317F-4DB9-92D4-7565E8A7FA19}" type="datetimeFigureOut">
               <a:rPr lang="fr-FR" smtClean="0"/>
-              <a:t>13/02/2020</a:t>
+              <a:t>08/06/2020</a:t>
             </a:fld>
             <a:endParaRPr lang="fr-FR"/>
           </a:p>
@@ -1815,7 +1815,7 @@
           <a:p>
             <a:fld id="{82A80506-317F-4DB9-92D4-7565E8A7FA19}" type="datetimeFigureOut">
               <a:rPr lang="fr-FR" smtClean="0"/>
-              <a:t>13/02/2020</a:t>
+              <a:t>08/06/2020</a:t>
             </a:fld>
             <a:endParaRPr lang="fr-FR"/>
           </a:p>
@@ -1956,7 +1956,7 @@
           <a:p>
             <a:fld id="{82A80506-317F-4DB9-92D4-7565E8A7FA19}" type="datetimeFigureOut">
               <a:rPr lang="fr-FR" smtClean="0"/>
-              <a:t>13/02/2020</a:t>
+              <a:t>08/06/2020</a:t>
             </a:fld>
             <a:endParaRPr lang="fr-FR"/>
           </a:p>
@@ -2069,7 +2069,7 @@
           <a:p>
             <a:fld id="{82A80506-317F-4DB9-92D4-7565E8A7FA19}" type="datetimeFigureOut">
               <a:rPr lang="fr-FR" smtClean="0"/>
-              <a:t>13/02/2020</a:t>
+              <a:t>08/06/2020</a:t>
             </a:fld>
             <a:endParaRPr lang="fr-FR"/>
           </a:p>
@@ -2380,7 +2380,7 @@
           <a:p>
             <a:fld id="{82A80506-317F-4DB9-92D4-7565E8A7FA19}" type="datetimeFigureOut">
               <a:rPr lang="fr-FR" smtClean="0"/>
-              <a:t>13/02/2020</a:t>
+              <a:t>08/06/2020</a:t>
             </a:fld>
             <a:endParaRPr lang="fr-FR"/>
           </a:p>
@@ -2668,7 +2668,7 @@
           <a:p>
             <a:fld id="{82A80506-317F-4DB9-92D4-7565E8A7FA19}" type="datetimeFigureOut">
               <a:rPr lang="fr-FR" smtClean="0"/>
-              <a:t>13/02/2020</a:t>
+              <a:t>08/06/2020</a:t>
             </a:fld>
             <a:endParaRPr lang="fr-FR"/>
           </a:p>
@@ -2909,7 +2909,7 @@
           <a:p>
             <a:fld id="{82A80506-317F-4DB9-92D4-7565E8A7FA19}" type="datetimeFigureOut">
               <a:rPr lang="fr-FR" smtClean="0"/>
-              <a:t>13/02/2020</a:t>
+              <a:t>08/06/2020</a:t>
             </a:fld>
             <a:endParaRPr lang="fr-FR"/>
           </a:p>
@@ -3328,10 +3328,10 @@
       </p:grpSpPr>
       <p:sp>
         <p:nvSpPr>
-          <p:cNvPr id="6" name="Rectangle : coins arrondis 5">
-            <a:extLst>
-              <a:ext uri="{FF2B5EF4-FFF2-40B4-BE49-F238E27FC236}">
-                <a16:creationId xmlns:a16="http://schemas.microsoft.com/office/drawing/2014/main" id="{DE115957-E080-48FD-B763-B520C28E97DD}"/>
+          <p:cNvPr id="57" name="Rectangle : coins arrondis 56">
+            <a:extLst>
+              <a:ext uri="{FF2B5EF4-FFF2-40B4-BE49-F238E27FC236}">
+                <a16:creationId xmlns:a16="http://schemas.microsoft.com/office/drawing/2014/main" id="{3E4BBE1B-E38B-4700-9B77-97D5703AF688}"/>
               </a:ext>
             </a:extLst>
           </p:cNvPr>
@@ -3340,7 +3340,7 @@
         </p:nvSpPr>
         <p:spPr>
           <a:xfrm>
-            <a:off x="10019068" y="2680007"/>
+            <a:off x="6835052" y="1003004"/>
             <a:ext cx="2045105" cy="637968"/>
           </a:xfrm>
           <a:prstGeom prst="roundRect">
@@ -3399,30 +3399,30 @@
       </p:sp>
       <p:cxnSp>
         <p:nvCxnSpPr>
-          <p:cNvPr id="38" name="Connecteur droit avec flèche 37">
-            <a:extLst>
-              <a:ext uri="{FF2B5EF4-FFF2-40B4-BE49-F238E27FC236}">
-                <a16:creationId xmlns:a16="http://schemas.microsoft.com/office/drawing/2014/main" id="{EF1F3B6C-6D4A-41A5-AF56-0F82A7D7C1BF}"/>
+          <p:cNvPr id="58" name="Connecteur droit avec flèche 57">
+            <a:extLst>
+              <a:ext uri="{FF2B5EF4-FFF2-40B4-BE49-F238E27FC236}">
+                <a16:creationId xmlns:a16="http://schemas.microsoft.com/office/drawing/2014/main" id="{827DEA1E-4C98-4754-9397-87D9E709EF26}"/>
               </a:ext>
             </a:extLst>
           </p:cNvPr>
           <p:cNvCxnSpPr>
             <a:cxnSpLocks/>
-            <a:endCxn id="25" idx="1"/>
+            <a:endCxn id="57" idx="1"/>
           </p:cNvCxnSpPr>
           <p:nvPr/>
         </p:nvCxnSpPr>
         <p:spPr>
           <a:xfrm flipV="1">
-            <a:off x="5100699" y="1228025"/>
-            <a:ext cx="1179320" cy="3090839"/>
+            <a:off x="5457784" y="1321988"/>
+            <a:ext cx="1377268" cy="1677002"/>
           </a:xfrm>
           <a:prstGeom prst="straightConnector1">
             <a:avLst/>
           </a:prstGeom>
           <a:ln>
             <a:solidFill>
-              <a:schemeClr val="tx1"/>
+              <a:srgbClr val="00B050"/>
             </a:solidFill>
             <a:tailEnd type="triangle" w="lg" len="lg"/>
           </a:ln>
@@ -3444,10 +3444,10 @@
       </p:cxnSp>
       <p:sp>
         <p:nvSpPr>
-          <p:cNvPr id="40" name="Rectangle : coins arrondis 39">
-            <a:extLst>
-              <a:ext uri="{FF2B5EF4-FFF2-40B4-BE49-F238E27FC236}">
-                <a16:creationId xmlns:a16="http://schemas.microsoft.com/office/drawing/2014/main" id="{56F2DF58-EC9E-4922-A566-2D75CDCC10C3}"/>
+          <p:cNvPr id="59" name="Rectangle : coins arrondis 58">
+            <a:extLst>
+              <a:ext uri="{FF2B5EF4-FFF2-40B4-BE49-F238E27FC236}">
+                <a16:creationId xmlns:a16="http://schemas.microsoft.com/office/drawing/2014/main" id="{C7074E38-AB0A-4984-A644-A9C32C3455E9}"/>
               </a:ext>
             </a:extLst>
           </p:cNvPr>
@@ -3456,7 +3456,7 @@
         </p:nvSpPr>
         <p:spPr>
           <a:xfrm>
-            <a:off x="9869087" y="1930264"/>
+            <a:off x="9930363" y="3560479"/>
             <a:ext cx="2172923" cy="637968"/>
           </a:xfrm>
           <a:prstGeom prst="roundRect">
@@ -3515,10 +3515,10 @@
       </p:sp>
       <p:sp>
         <p:nvSpPr>
-          <p:cNvPr id="28" name="Rectangle : coins arrondis 27">
-            <a:extLst>
-              <a:ext uri="{FF2B5EF4-FFF2-40B4-BE49-F238E27FC236}">
-                <a16:creationId xmlns:a16="http://schemas.microsoft.com/office/drawing/2014/main" id="{F8258634-CE44-4221-9F7A-F381A5941379}"/>
+          <p:cNvPr id="61" name="Rectangle : coins arrondis 60">
+            <a:extLst>
+              <a:ext uri="{FF2B5EF4-FFF2-40B4-BE49-F238E27FC236}">
+                <a16:creationId xmlns:a16="http://schemas.microsoft.com/office/drawing/2014/main" id="{D399758E-8356-4477-9AB5-E86C69F7B349}"/>
               </a:ext>
             </a:extLst>
           </p:cNvPr>
@@ -3527,8 +3527,8 @@
         </p:nvSpPr>
         <p:spPr>
           <a:xfrm>
-            <a:off x="2359374" y="695167"/>
-            <a:ext cx="3602074" cy="5309337"/>
+            <a:off x="2359374" y="523461"/>
+            <a:ext cx="3602074" cy="6042991"/>
           </a:xfrm>
           <a:prstGeom prst="roundRect">
             <a:avLst>
@@ -3635,30 +3635,55 @@
                 <a:solidFill>
                   <a:srgbClr val="0070C0"/>
                 </a:solidFill>
-              </a:rPr>
-              <a:t>status</a:t>
-            </a:r>
-            <a:r>
-              <a:rPr lang="en-US" sz="1600" noProof="1">
-                <a:solidFill>
-                  <a:schemeClr val="tx1"/>
-                </a:solidFill>
-              </a:rPr>
-              <a:t> : active</a:t>
-            </a:r>
-          </a:p>
-          <a:p>
-            <a:pPr marL="176213"/>
-            <a:r>
-              <a:rPr lang="en-US" sz="1600" noProof="1">
-                <a:solidFill>
-                  <a:srgbClr val="0070C0"/>
-                </a:solidFill>
                 <a:highlight>
                   <a:srgbClr val="FFFF00"/>
                 </a:highlight>
               </a:rPr>
-              <a:t>useContext (code: task, value: LABOE)</a:t>
+              <a:t>useContext (code: </a:t>
+            </a:r>
+            <a:r>
+              <a:rPr lang="en-US" sz="1600" noProof="1">
+                <a:solidFill>
+                  <a:schemeClr val="tx1"/>
+                </a:solidFill>
+                <a:highlight>
+                  <a:srgbClr val="FFFF00"/>
+                </a:highlight>
+              </a:rPr>
+              <a:t>task</a:t>
+            </a:r>
+            <a:r>
+              <a:rPr lang="en-US" sz="1600" noProof="1">
+                <a:solidFill>
+                  <a:srgbClr val="0070C0"/>
+                </a:solidFill>
+                <a:highlight>
+                  <a:srgbClr val="FFFF00"/>
+                </a:highlight>
+              </a:rPr>
+              <a:t>, value: </a:t>
+            </a:r>
+            <a:r>
+              <a:rPr lang="en-US" sz="1600" noProof="1">
+                <a:solidFill>
+                  <a:schemeClr val="tx1"/>
+                </a:solidFill>
+                <a:highlight>
+                  <a:srgbClr val="FFFF00"/>
+                </a:highlight>
+              </a:rPr>
+              <a:t>LABOE</a:t>
+            </a:r>
+            <a:r>
+              <a:rPr lang="en-US" sz="1600" noProof="1">
+                <a:solidFill>
+                  <a:srgbClr val="0070C0"/>
+                </a:solidFill>
+                <a:highlight>
+                  <a:srgbClr val="FFFF00"/>
+                </a:highlight>
+              </a:rPr>
+              <a:t>)</a:t>
             </a:r>
           </a:p>
           <a:p>
@@ -3677,6 +3702,116 @@
             <a:r>
               <a:rPr lang="en-US" sz="1600" noProof="1">
                 <a:solidFill>
+                  <a:srgbClr val="00B050"/>
+                </a:solidFill>
+              </a:rPr>
+              <a:t>specimenRequirements [ </a:t>
+            </a:r>
+          </a:p>
+          <a:p>
+            <a:pPr marL="354013"/>
+            <a:r>
+              <a:rPr lang="en-US" sz="1600" noProof="1">
+                <a:solidFill>
+                  <a:srgbClr val="00B050"/>
+                </a:solidFill>
+              </a:rPr>
+              <a:t>    {   exclusiveGroup 	 </a:t>
+            </a:r>
+          </a:p>
+          <a:p>
+            <a:pPr marL="354013"/>
+            <a:r>
+              <a:rPr lang="en-US" sz="1600" noProof="1">
+                <a:solidFill>
+                  <a:srgbClr val="00B050"/>
+                </a:solidFill>
+              </a:rPr>
+              <a:t>            [  { sampleRequirement },</a:t>
+            </a:r>
+          </a:p>
+          <a:p>
+            <a:pPr marL="354013"/>
+            <a:r>
+              <a:rPr lang="en-US" sz="1600" noProof="1">
+                <a:solidFill>
+                  <a:srgbClr val="00B050"/>
+                </a:solidFill>
+              </a:rPr>
+              <a:t>               { sampleRequirement }   ]</a:t>
+            </a:r>
+          </a:p>
+          <a:p>
+            <a:pPr marL="354013"/>
+            <a:r>
+              <a:rPr lang="en-US" sz="1600" noProof="1">
+                <a:solidFill>
+                  <a:srgbClr val="00B050"/>
+                </a:solidFill>
+              </a:rPr>
+              <a:t>    },</a:t>
+            </a:r>
+          </a:p>
+          <a:p>
+            <a:pPr marL="354013"/>
+            <a:r>
+              <a:rPr lang="en-US" sz="1600" noProof="1">
+                <a:solidFill>
+                  <a:srgbClr val="00B050"/>
+                </a:solidFill>
+              </a:rPr>
+              <a:t>    {   exclusiveGroup 	 </a:t>
+            </a:r>
+          </a:p>
+          <a:p>
+            <a:pPr marL="354013"/>
+            <a:r>
+              <a:rPr lang="en-US" sz="1600" noProof="1">
+                <a:solidFill>
+                  <a:srgbClr val="00B050"/>
+                </a:solidFill>
+              </a:rPr>
+              <a:t>            [  { sampleRequirement },  </a:t>
+            </a:r>
+          </a:p>
+          <a:p>
+            <a:pPr marL="354013"/>
+            <a:r>
+              <a:rPr lang="en-US" sz="1600" noProof="1">
+                <a:solidFill>
+                  <a:srgbClr val="00B050"/>
+                </a:solidFill>
+              </a:rPr>
+              <a:t>               { sampleRequirement }  ]</a:t>
+            </a:r>
+          </a:p>
+          <a:p>
+            <a:pPr marL="354013"/>
+            <a:r>
+              <a:rPr lang="en-US" sz="1600" noProof="1">
+                <a:solidFill>
+                  <a:srgbClr val="00B050"/>
+                </a:solidFill>
+              </a:rPr>
+              <a:t>     }</a:t>
+            </a:r>
+          </a:p>
+          <a:p>
+            <a:pPr marL="354013"/>
+            <a:r>
+              <a:rPr lang="en-US" sz="1600" noProof="1">
+                <a:solidFill>
+                  <a:srgbClr val="00B050"/>
+                </a:solidFill>
+              </a:rPr>
+              <a:t> ]</a:t>
+            </a:r>
+          </a:p>
+          <a:p>
+            <a:pPr marL="354013"/>
+            <a:r>
+              <a:rPr lang="en-US" sz="1600" noProof="1">
+                <a:solidFill>
                   <a:srgbClr val="0070C0"/>
                 </a:solidFill>
               </a:rPr>
@@ -3716,7 +3851,17 @@
                   <a:srgbClr val="0070C0"/>
                 </a:solidFill>
               </a:rPr>
-              <a:t>groupingBehavior = logical-group</a:t>
+              <a:t>groupingBehavior = </a:t>
+            </a:r>
+            <a:r>
+              <a:rPr lang="en-US" sz="1600" noProof="1">
+                <a:solidFill>
+                  <a:schemeClr val="accent2">
+                    <a:lumMod val="50000"/>
+                  </a:schemeClr>
+                </a:solidFill>
+              </a:rPr>
+              <a:t>logical-group</a:t>
             </a:r>
           </a:p>
           <a:p>
@@ -3727,8 +3872,25 @@
                   <a:srgbClr val="0070C0"/>
                 </a:solidFill>
               </a:rPr>
-              <a:t>selectionBehavior = all</a:t>
-            </a:r>
+              <a:t>selectionBehavior = </a:t>
+            </a:r>
+            <a:r>
+              <a:rPr lang="en-US" sz="1600" noProof="1">
+                <a:solidFill>
+                  <a:schemeClr val="accent2">
+                    <a:lumMod val="50000"/>
+                  </a:schemeClr>
+                </a:solidFill>
+              </a:rPr>
+              <a:t>all</a:t>
+            </a:r>
+            <a:endParaRPr lang="en-US" noProof="1">
+              <a:solidFill>
+                <a:schemeClr val="accent2">
+                  <a:lumMod val="50000"/>
+                </a:schemeClr>
+              </a:solidFill>
+            </a:endParaRPr>
           </a:p>
           <a:p>
             <a:pPr marL="354013"/>
@@ -3738,117 +3900,63 @@
                   <a:srgbClr val="0070C0"/>
                 </a:solidFill>
               </a:rPr>
+              <a:t>definitionCanonical</a:t>
+            </a:r>
+          </a:p>
+          <a:p>
+            <a:pPr marL="354013"/>
+            <a:r>
+              <a:rPr lang="en-US" sz="1600" noProof="1">
+                <a:solidFill>
+                  <a:schemeClr val="accent2">
+                    <a:lumMod val="50000"/>
+                  </a:schemeClr>
+                </a:solidFill>
+              </a:rPr>
+              <a:t>action </a:t>
+            </a:r>
+          </a:p>
+          <a:p>
+            <a:pPr marL="354013"/>
+            <a:r>
+              <a:rPr lang="en-US" sz="1600" noProof="1">
+                <a:solidFill>
+                  <a:srgbClr val="0070C0"/>
+                </a:solidFill>
+              </a:rPr>
+              <a:t>          definitionCanonical</a:t>
+            </a:r>
+          </a:p>
+          <a:p>
+            <a:pPr marL="354013"/>
+            <a:r>
+              <a:rPr lang="en-US" sz="1600" noProof="1">
+                <a:solidFill>
+                  <a:schemeClr val="accent2">
+                    <a:lumMod val="50000"/>
+                  </a:schemeClr>
+                </a:solidFill>
+              </a:rPr>
               <a:t>action</a:t>
             </a:r>
-          </a:p>
-          <a:p>
-            <a:pPr marL="628650"/>
             <a:r>
               <a:rPr lang="en-US" sz="1600" noProof="1">
                 <a:solidFill>
                   <a:srgbClr val="0070C0"/>
                 </a:solidFill>
               </a:rPr>
-              <a:t>groupingBehavior = logical-group</a:t>
-            </a:r>
-          </a:p>
-          <a:p>
-            <a:pPr marL="628650"/>
+              <a:t> </a:t>
+            </a:r>
+          </a:p>
+          <a:p>
+            <a:pPr marL="354013"/>
             <a:r>
               <a:rPr lang="en-US" sz="1600" noProof="1">
                 <a:solidFill>
                   <a:srgbClr val="0070C0"/>
                 </a:solidFill>
               </a:rPr>
-              <a:t>selectionBehavior = at-most-one</a:t>
-            </a:r>
-          </a:p>
-          <a:p>
-            <a:pPr marL="628650"/>
-            <a:r>
-              <a:rPr lang="en-US" sz="1600" noProof="1">
-                <a:solidFill>
-                  <a:srgbClr val="0070C0"/>
-                </a:solidFill>
-              </a:rPr>
-              <a:t>action </a:t>
-            </a:r>
-          </a:p>
-          <a:p>
-            <a:pPr marL="982663"/>
-            <a:r>
-              <a:rPr lang="en-US" sz="1600" noProof="1">
-                <a:solidFill>
-                  <a:srgbClr val="0070C0"/>
-                </a:solidFill>
-              </a:rPr>
-              <a:t>definitionCanonical</a:t>
-            </a:r>
-          </a:p>
-          <a:p>
-            <a:pPr marL="628650"/>
-            <a:r>
-              <a:rPr lang="en-US" sz="1600" noProof="1">
-                <a:solidFill>
-                  <a:srgbClr val="0070C0"/>
-                </a:solidFill>
-              </a:rPr>
-              <a:t>action </a:t>
-            </a:r>
-          </a:p>
-          <a:p>
-            <a:pPr marL="982663"/>
-            <a:r>
-              <a:rPr lang="en-US" sz="1600" noProof="1">
-                <a:solidFill>
-                  <a:srgbClr val="0070C0"/>
-                </a:solidFill>
-              </a:rPr>
-              <a:t>definitionCanonical</a:t>
-            </a:r>
-          </a:p>
-          <a:p>
-            <a:pPr marL="354013"/>
-            <a:r>
-              <a:rPr lang="en-US" sz="1600" noProof="1">
-                <a:solidFill>
-                  <a:srgbClr val="0070C0"/>
-                </a:solidFill>
-              </a:rPr>
-              <a:t>action </a:t>
-            </a:r>
-          </a:p>
-          <a:p>
-            <a:pPr marL="628650"/>
-            <a:r>
-              <a:rPr lang="en-US" sz="1600" noProof="1">
-                <a:solidFill>
-                  <a:srgbClr val="0070C0"/>
-                </a:solidFill>
-              </a:rPr>
-              <a:t>definitionCanonical</a:t>
-            </a:r>
-          </a:p>
-          <a:p>
-            <a:pPr marL="354013"/>
-            <a:r>
-              <a:rPr lang="en-US" sz="1600" noProof="1">
-                <a:solidFill>
-                  <a:srgbClr val="0070C0"/>
-                </a:solidFill>
-              </a:rPr>
-              <a:t>action </a:t>
-            </a:r>
-          </a:p>
-          <a:p>
-            <a:pPr marL="628650"/>
-            <a:r>
-              <a:rPr lang="en-US" sz="1600" noProof="1">
-                <a:solidFill>
-                  <a:srgbClr val="0070C0"/>
-                </a:solidFill>
-              </a:rPr>
-              <a:t>definitionCanonical</a:t>
+              <a:t>         definitionCanonical</a:t>
             </a:r>
           </a:p>
           <a:p>
@@ -3863,10 +3971,10 @@
       </p:sp>
       <p:sp>
         <p:nvSpPr>
-          <p:cNvPr id="29" name="ZoneTexte 28">
-            <a:extLst>
-              <a:ext uri="{FF2B5EF4-FFF2-40B4-BE49-F238E27FC236}">
-                <a16:creationId xmlns:a16="http://schemas.microsoft.com/office/drawing/2014/main" id="{314EAE70-5136-41CD-BD4C-891D23BEAC81}"/>
+          <p:cNvPr id="62" name="ZoneTexte 61">
+            <a:extLst>
+              <a:ext uri="{FF2B5EF4-FFF2-40B4-BE49-F238E27FC236}">
+                <a16:creationId xmlns:a16="http://schemas.microsoft.com/office/drawing/2014/main" id="{8B190FC9-EAB0-4E8D-8078-AB669321D08A}"/>
               </a:ext>
             </a:extLst>
           </p:cNvPr>
@@ -3918,10 +4026,10 @@
       </p:sp>
       <p:sp>
         <p:nvSpPr>
-          <p:cNvPr id="25" name="Rectangle : coins arrondis 24">
-            <a:extLst>
-              <a:ext uri="{FF2B5EF4-FFF2-40B4-BE49-F238E27FC236}">
-                <a16:creationId xmlns:a16="http://schemas.microsoft.com/office/drawing/2014/main" id="{8EDFDBC8-B663-4AC9-8178-D134C3EEF1B0}"/>
+          <p:cNvPr id="65" name="Rectangle : coins arrondis 64">
+            <a:extLst>
+              <a:ext uri="{FF2B5EF4-FFF2-40B4-BE49-F238E27FC236}">
+                <a16:creationId xmlns:a16="http://schemas.microsoft.com/office/drawing/2014/main" id="{34AA0056-4207-4A2C-BEF8-D26B39CF58C5}"/>
               </a:ext>
             </a:extLst>
           </p:cNvPr>
@@ -3930,8 +4038,8 @@
         </p:nvSpPr>
         <p:spPr>
           <a:xfrm>
-            <a:off x="6280019" y="652303"/>
-            <a:ext cx="3110343" cy="1151443"/>
+            <a:off x="6421890" y="3628466"/>
+            <a:ext cx="3078577" cy="905764"/>
           </a:xfrm>
           <a:prstGeom prst="roundRect">
             <a:avLst>
@@ -3990,7 +4098,7 @@
                   <a:schemeClr val="tx1"/>
                 </a:solidFill>
               </a:rPr>
-              <a:t>serum creatinine (venous)</a:t>
+              <a:t>serum creatinine (</a:t>
             </a:r>
           </a:p>
           <a:p>
@@ -4001,17 +4109,6 @@
                   <a:srgbClr val="0070C0"/>
                 </a:solidFill>
               </a:rPr>
-              <a:t>specimenRequirement</a:t>
-            </a:r>
-          </a:p>
-          <a:p>
-            <a:pPr marL="268288"/>
-            <a:r>
-              <a:rPr lang="en-US" sz="1600" noProof="1">
-                <a:solidFill>
-                  <a:srgbClr val="0070C0"/>
-                </a:solidFill>
-              </a:rPr>
               <a:t>observationResultRequirement</a:t>
             </a:r>
           </a:p>
@@ -4019,10 +4116,10 @@
       </p:sp>
       <p:sp>
         <p:nvSpPr>
-          <p:cNvPr id="32" name="Rectangle : coins arrondis 31">
-            <a:extLst>
-              <a:ext uri="{FF2B5EF4-FFF2-40B4-BE49-F238E27FC236}">
-                <a16:creationId xmlns:a16="http://schemas.microsoft.com/office/drawing/2014/main" id="{40083E41-125F-4C1F-A27E-6E29C4B8E937}"/>
+          <p:cNvPr id="66" name="Rectangle : coins arrondis 65">
+            <a:extLst>
+              <a:ext uri="{FF2B5EF4-FFF2-40B4-BE49-F238E27FC236}">
+                <a16:creationId xmlns:a16="http://schemas.microsoft.com/office/drawing/2014/main" id="{6DBFCD44-E327-44CB-8931-095C1909DAF1}"/>
               </a:ext>
             </a:extLst>
           </p:cNvPr>
@@ -4031,108 +4128,7 @@
         </p:nvSpPr>
         <p:spPr>
           <a:xfrm>
-            <a:off x="6302147" y="1939088"/>
-            <a:ext cx="3110343" cy="1151443"/>
-          </a:xfrm>
-          <a:prstGeom prst="roundRect">
-            <a:avLst>
-              <a:gd name="adj" fmla="val 4813"/>
-            </a:avLst>
-          </a:prstGeom>
-          <a:noFill/>
-          <a:ln>
-            <a:solidFill>
-              <a:schemeClr val="tx1"/>
-            </a:solidFill>
-          </a:ln>
-        </p:spPr>
-        <p:style>
-          <a:lnRef idx="2">
-            <a:schemeClr val="accent1">
-              <a:shade val="50000"/>
-            </a:schemeClr>
-          </a:lnRef>
-          <a:fillRef idx="1">
-            <a:schemeClr val="accent1"/>
-          </a:fillRef>
-          <a:effectRef idx="0">
-            <a:schemeClr val="accent1"/>
-          </a:effectRef>
-          <a:fontRef idx="minor">
-            <a:schemeClr val="lt1"/>
-          </a:fontRef>
-        </p:style>
-        <p:txBody>
-          <a:bodyPr rtlCol="0" anchor="t" anchorCtr="0"/>
-          <a:lstStyle/>
-          <a:p>
-            <a:r>
-              <a:rPr lang="en-US" noProof="1">
-                <a:solidFill>
-                  <a:srgbClr val="0070C0"/>
-                </a:solidFill>
-              </a:rPr>
-              <a:t>ActivityDefinition</a:t>
-            </a:r>
-          </a:p>
-          <a:p>
-            <a:pPr marL="176213"/>
-            <a:r>
-              <a:rPr lang="en-US" sz="1600" noProof="1">
-                <a:solidFill>
-                  <a:srgbClr val="0070C0"/>
-                </a:solidFill>
-              </a:rPr>
-              <a:t>title: </a:t>
-            </a:r>
-            <a:r>
-              <a:rPr lang="en-US" sz="1600" noProof="1">
-                <a:solidFill>
-                  <a:schemeClr val="tx1"/>
-                </a:solidFill>
-              </a:rPr>
-              <a:t>serum creatinine (capillary)</a:t>
-            </a:r>
-          </a:p>
-          <a:p>
-            <a:pPr marL="176213"/>
-            <a:r>
-              <a:rPr lang="en-US" sz="1600" noProof="1">
-                <a:solidFill>
-                  <a:srgbClr val="0070C0"/>
-                </a:solidFill>
-              </a:rPr>
-              <a:t>specimenRequirement</a:t>
-            </a:r>
-          </a:p>
-          <a:p>
-            <a:pPr marL="176213"/>
-            <a:r>
-              <a:rPr lang="en-US" sz="1600" noProof="1">
-                <a:solidFill>
-                  <a:srgbClr val="0070C0"/>
-                </a:solidFill>
-              </a:rPr>
-              <a:t>observationResultRequirement</a:t>
-            </a:r>
-          </a:p>
-        </p:txBody>
-      </p:sp>
-      <p:sp>
-        <p:nvSpPr>
-          <p:cNvPr id="35" name="Rectangle : coins arrondis 34">
-            <a:extLst>
-              <a:ext uri="{FF2B5EF4-FFF2-40B4-BE49-F238E27FC236}">
-                <a16:creationId xmlns:a16="http://schemas.microsoft.com/office/drawing/2014/main" id="{A4A06BDF-55C6-4544-AAA8-84DBB4573691}"/>
-              </a:ext>
-            </a:extLst>
-          </p:cNvPr>
-          <p:cNvSpPr/>
-          <p:nvPr/>
-        </p:nvSpPr>
-        <p:spPr>
-          <a:xfrm>
-            <a:off x="9996905" y="390473"/>
+            <a:off x="6816421" y="231959"/>
             <a:ext cx="2045105" cy="637968"/>
           </a:xfrm>
           <a:prstGeom prst="roundRect">
@@ -4191,10 +4187,10 @@
       </p:sp>
       <p:sp>
         <p:nvSpPr>
-          <p:cNvPr id="36" name="Rectangle : coins arrondis 35">
-            <a:extLst>
-              <a:ext uri="{FF2B5EF4-FFF2-40B4-BE49-F238E27FC236}">
-                <a16:creationId xmlns:a16="http://schemas.microsoft.com/office/drawing/2014/main" id="{FC7DC1A5-264A-4DA3-84FD-62DF11766A5F}"/>
+          <p:cNvPr id="67" name="Rectangle : coins arrondis 66">
+            <a:extLst>
+              <a:ext uri="{FF2B5EF4-FFF2-40B4-BE49-F238E27FC236}">
+                <a16:creationId xmlns:a16="http://schemas.microsoft.com/office/drawing/2014/main" id="{F0B3E012-EE24-4ACB-833A-5EA9B6A083E3}"/>
               </a:ext>
             </a:extLst>
           </p:cNvPr>
@@ -4203,7 +4199,7 @@
         </p:nvSpPr>
         <p:spPr>
           <a:xfrm>
-            <a:off x="9996905" y="1113610"/>
+            <a:off x="6832787" y="1771423"/>
             <a:ext cx="2045105" cy="637968"/>
           </a:xfrm>
           <a:prstGeom prst="roundRect">
@@ -4262,10 +4258,10 @@
       </p:sp>
       <p:sp>
         <p:nvSpPr>
-          <p:cNvPr id="37" name="Rectangle : coins arrondis 36">
-            <a:extLst>
-              <a:ext uri="{FF2B5EF4-FFF2-40B4-BE49-F238E27FC236}">
-                <a16:creationId xmlns:a16="http://schemas.microsoft.com/office/drawing/2014/main" id="{4DB9917F-7E67-456E-B9DA-FAFE517100FC}"/>
+          <p:cNvPr id="68" name="Rectangle : coins arrondis 67">
+            <a:extLst>
+              <a:ext uri="{FF2B5EF4-FFF2-40B4-BE49-F238E27FC236}">
+                <a16:creationId xmlns:a16="http://schemas.microsoft.com/office/drawing/2014/main" id="{24D87A49-FF55-4695-A860-01790B19F825}"/>
               </a:ext>
             </a:extLst>
           </p:cNvPr>
@@ -4274,7 +4270,7 @@
         </p:nvSpPr>
         <p:spPr>
           <a:xfrm>
-            <a:off x="9891252" y="3429751"/>
+            <a:off x="9924380" y="4454361"/>
             <a:ext cx="2172923" cy="637968"/>
           </a:xfrm>
           <a:prstGeom prst="roundRect">
@@ -4333,10 +4329,10 @@
       </p:sp>
       <p:sp>
         <p:nvSpPr>
-          <p:cNvPr id="39" name="Rectangle : coins arrondis 38">
-            <a:extLst>
-              <a:ext uri="{FF2B5EF4-FFF2-40B4-BE49-F238E27FC236}">
-                <a16:creationId xmlns:a16="http://schemas.microsoft.com/office/drawing/2014/main" id="{9486BD25-013D-42B7-9209-1E92E09F41B4}"/>
+          <p:cNvPr id="69" name="Rectangle : coins arrondis 68">
+            <a:extLst>
+              <a:ext uri="{FF2B5EF4-FFF2-40B4-BE49-F238E27FC236}">
+                <a16:creationId xmlns:a16="http://schemas.microsoft.com/office/drawing/2014/main" id="{F1B56B52-DE31-47AB-96E1-7232C91F74DE}"/>
               </a:ext>
             </a:extLst>
           </p:cNvPr>
@@ -4345,7 +4341,7 @@
         </p:nvSpPr>
         <p:spPr>
           <a:xfrm>
-            <a:off x="9891251" y="4226644"/>
+            <a:off x="9924380" y="5215137"/>
             <a:ext cx="2172923" cy="637968"/>
           </a:xfrm>
           <a:prstGeom prst="roundRect">
@@ -4404,10 +4400,10 @@
       </p:sp>
       <p:sp>
         <p:nvSpPr>
-          <p:cNvPr id="41" name="Rectangle : coins arrondis 40">
-            <a:extLst>
-              <a:ext uri="{FF2B5EF4-FFF2-40B4-BE49-F238E27FC236}">
-                <a16:creationId xmlns:a16="http://schemas.microsoft.com/office/drawing/2014/main" id="{E8C8AF14-8A89-4D29-B5C9-E282CDE6AB5D}"/>
+          <p:cNvPr id="70" name="Rectangle : coins arrondis 69">
+            <a:extLst>
+              <a:ext uri="{FF2B5EF4-FFF2-40B4-BE49-F238E27FC236}">
+                <a16:creationId xmlns:a16="http://schemas.microsoft.com/office/drawing/2014/main" id="{22E32656-3159-45E5-A0ED-7E0902473A94}"/>
               </a:ext>
             </a:extLst>
           </p:cNvPr>
@@ -4416,7 +4412,7 @@
         </p:nvSpPr>
         <p:spPr>
           <a:xfrm>
-            <a:off x="9891250" y="5026914"/>
+            <a:off x="9924380" y="5981072"/>
             <a:ext cx="2172923" cy="637968"/>
           </a:xfrm>
           <a:prstGeom prst="roundRect">
@@ -4475,10 +4471,10 @@
       </p:sp>
       <p:sp>
         <p:nvSpPr>
-          <p:cNvPr id="42" name="Rectangle : coins arrondis 41">
-            <a:extLst>
-              <a:ext uri="{FF2B5EF4-FFF2-40B4-BE49-F238E27FC236}">
-                <a16:creationId xmlns:a16="http://schemas.microsoft.com/office/drawing/2014/main" id="{5806AD71-6DCD-4848-859D-06E448C9CF31}"/>
+          <p:cNvPr id="71" name="Rectangle : coins arrondis 70">
+            <a:extLst>
+              <a:ext uri="{FF2B5EF4-FFF2-40B4-BE49-F238E27FC236}">
+                <a16:creationId xmlns:a16="http://schemas.microsoft.com/office/drawing/2014/main" id="{04882A19-469F-4FF9-9F0B-4F11CEDCDC94}"/>
               </a:ext>
             </a:extLst>
           </p:cNvPr>
@@ -4487,7 +4483,7 @@
         </p:nvSpPr>
         <p:spPr>
           <a:xfrm>
-            <a:off x="9891250" y="5783714"/>
+            <a:off x="9930363" y="2638986"/>
             <a:ext cx="2172923" cy="637968"/>
           </a:xfrm>
           <a:prstGeom prst="roundRect">
@@ -4546,23 +4542,67 @@
       </p:sp>
       <p:cxnSp>
         <p:nvCxnSpPr>
-          <p:cNvPr id="43" name="Connecteur droit avec flèche 42">
-            <a:extLst>
-              <a:ext uri="{FF2B5EF4-FFF2-40B4-BE49-F238E27FC236}">
-                <a16:creationId xmlns:a16="http://schemas.microsoft.com/office/drawing/2014/main" id="{F00E70FD-4483-480A-B19D-84E1802DEB20}"/>
+          <p:cNvPr id="73" name="Connecteur droit avec flèche 72">
+            <a:extLst>
+              <a:ext uri="{FF2B5EF4-FFF2-40B4-BE49-F238E27FC236}">
+                <a16:creationId xmlns:a16="http://schemas.microsoft.com/office/drawing/2014/main" id="{85B2DFDC-2BD5-482C-B0CF-9356349C79C2}"/>
               </a:ext>
             </a:extLst>
           </p:cNvPr>
           <p:cNvCxnSpPr>
             <a:cxnSpLocks/>
-            <a:endCxn id="35" idx="1"/>
+            <a:endCxn id="66" idx="1"/>
           </p:cNvCxnSpPr>
           <p:nvPr/>
         </p:nvCxnSpPr>
         <p:spPr>
           <a:xfrm flipV="1">
-            <a:off x="8612155" y="709457"/>
-            <a:ext cx="1384750" cy="674739"/>
+            <a:off x="5505057" y="550943"/>
+            <a:ext cx="1311364" cy="2168624"/>
+          </a:xfrm>
+          <a:prstGeom prst="straightConnector1">
+            <a:avLst/>
+          </a:prstGeom>
+          <a:ln>
+            <a:solidFill>
+              <a:srgbClr val="00B050"/>
+            </a:solidFill>
+            <a:tailEnd type="triangle" w="lg" len="lg"/>
+          </a:ln>
+        </p:spPr>
+        <p:style>
+          <a:lnRef idx="1">
+            <a:schemeClr val="accent1"/>
+          </a:lnRef>
+          <a:fillRef idx="0">
+            <a:schemeClr val="accent1"/>
+          </a:fillRef>
+          <a:effectRef idx="0">
+            <a:schemeClr val="accent1"/>
+          </a:effectRef>
+          <a:fontRef idx="minor">
+            <a:schemeClr val="tx1"/>
+          </a:fontRef>
+        </p:style>
+      </p:cxnSp>
+      <p:cxnSp>
+        <p:nvCxnSpPr>
+          <p:cNvPr id="74" name="Connecteur droit avec flèche 73">
+            <a:extLst>
+              <a:ext uri="{FF2B5EF4-FFF2-40B4-BE49-F238E27FC236}">
+                <a16:creationId xmlns:a16="http://schemas.microsoft.com/office/drawing/2014/main" id="{35FC809B-7354-4B06-8A14-31FC5C2F9AEE}"/>
+              </a:ext>
+            </a:extLst>
+          </p:cNvPr>
+          <p:cNvCxnSpPr>
+            <a:cxnSpLocks/>
+          </p:cNvCxnSpPr>
+          <p:nvPr/>
+        </p:nvCxnSpPr>
+        <p:spPr>
+          <a:xfrm flipV="1">
+            <a:off x="9435548" y="3891916"/>
+            <a:ext cx="460665" cy="434919"/>
           </a:xfrm>
           <a:prstGeom prst="straightConnector1">
             <a:avLst/>
@@ -4591,23 +4631,23 @@
       </p:cxnSp>
       <p:cxnSp>
         <p:nvCxnSpPr>
-          <p:cNvPr id="44" name="Connecteur droit avec flèche 43">
-            <a:extLst>
-              <a:ext uri="{FF2B5EF4-FFF2-40B4-BE49-F238E27FC236}">
-                <a16:creationId xmlns:a16="http://schemas.microsoft.com/office/drawing/2014/main" id="{5C24B7C2-A0E5-46D8-92CC-59BFA3102C63}"/>
+          <p:cNvPr id="75" name="Connecteur droit avec flèche 74">
+            <a:extLst>
+              <a:ext uri="{FF2B5EF4-FFF2-40B4-BE49-F238E27FC236}">
+                <a16:creationId xmlns:a16="http://schemas.microsoft.com/office/drawing/2014/main" id="{6F0009AD-0066-4281-8B62-2526C6EF7B48}"/>
               </a:ext>
             </a:extLst>
           </p:cNvPr>
           <p:cNvCxnSpPr>
             <a:cxnSpLocks/>
-            <a:endCxn id="36" idx="1"/>
+            <a:endCxn id="80" idx="1"/>
           </p:cNvCxnSpPr>
           <p:nvPr/>
         </p:nvCxnSpPr>
         <p:spPr>
           <a:xfrm flipV="1">
-            <a:off x="8546841" y="1432594"/>
-            <a:ext cx="1450064" cy="1205634"/>
+            <a:off x="5011922" y="3020293"/>
+            <a:ext cx="1512555" cy="2406472"/>
           </a:xfrm>
           <a:prstGeom prst="straightConnector1">
             <a:avLst/>
@@ -4634,156 +4674,22 @@
           </a:fontRef>
         </p:style>
       </p:cxnSp>
-      <p:cxnSp>
-        <p:nvCxnSpPr>
-          <p:cNvPr id="45" name="Connecteur droit avec flèche 44">
-            <a:extLst>
-              <a:ext uri="{FF2B5EF4-FFF2-40B4-BE49-F238E27FC236}">
-                <a16:creationId xmlns:a16="http://schemas.microsoft.com/office/drawing/2014/main" id="{08EB9A23-945E-41EB-AE3F-AF97FB8B4073}"/>
-              </a:ext>
-            </a:extLst>
-          </p:cNvPr>
-          <p:cNvCxnSpPr>
-            <a:cxnSpLocks/>
-            <a:endCxn id="40" idx="1"/>
-          </p:cNvCxnSpPr>
+      <p:sp>
+        <p:nvSpPr>
+          <p:cNvPr id="77" name="Rectangle : coins arrondis 76">
+            <a:extLst>
+              <a:ext uri="{FF2B5EF4-FFF2-40B4-BE49-F238E27FC236}">
+                <a16:creationId xmlns:a16="http://schemas.microsoft.com/office/drawing/2014/main" id="{6A6BB385-3740-4187-A805-73AA3B417E44}"/>
+              </a:ext>
+            </a:extLst>
+          </p:cNvPr>
+          <p:cNvSpPr/>
           <p:nvPr/>
-        </p:nvCxnSpPr>
+        </p:nvSpPr>
         <p:spPr>
           <a:xfrm>
-            <a:off x="9351250" y="1592873"/>
-            <a:ext cx="517837" cy="656375"/>
-          </a:xfrm>
-          <a:prstGeom prst="straightConnector1">
-            <a:avLst/>
-          </a:prstGeom>
-          <a:ln>
-            <a:solidFill>
-              <a:schemeClr val="tx1"/>
-            </a:solidFill>
-            <a:tailEnd type="triangle" w="lg" len="lg"/>
-          </a:ln>
-        </p:spPr>
-        <p:style>
-          <a:lnRef idx="1">
-            <a:schemeClr val="accent1"/>
-          </a:lnRef>
-          <a:fillRef idx="0">
-            <a:schemeClr val="accent1"/>
-          </a:fillRef>
-          <a:effectRef idx="0">
-            <a:schemeClr val="accent1"/>
-          </a:effectRef>
-          <a:fontRef idx="minor">
-            <a:schemeClr val="tx1"/>
-          </a:fontRef>
-        </p:style>
-      </p:cxnSp>
-      <p:cxnSp>
-        <p:nvCxnSpPr>
-          <p:cNvPr id="47" name="Connecteur droit avec flèche 46">
-            <a:extLst>
-              <a:ext uri="{FF2B5EF4-FFF2-40B4-BE49-F238E27FC236}">
-                <a16:creationId xmlns:a16="http://schemas.microsoft.com/office/drawing/2014/main" id="{06EF0650-6AFE-4A40-B800-6C0A77739EA8}"/>
-              </a:ext>
-            </a:extLst>
-          </p:cNvPr>
-          <p:cNvCxnSpPr>
-            <a:cxnSpLocks/>
-            <a:endCxn id="40" idx="1"/>
-          </p:cNvCxnSpPr>
-          <p:nvPr/>
-        </p:nvCxnSpPr>
-        <p:spPr>
-          <a:xfrm flipV="1">
-            <a:off x="9246637" y="2249248"/>
-            <a:ext cx="622450" cy="656375"/>
-          </a:xfrm>
-          <a:prstGeom prst="straightConnector1">
-            <a:avLst/>
-          </a:prstGeom>
-          <a:ln>
-            <a:solidFill>
-              <a:schemeClr val="tx1"/>
-            </a:solidFill>
-            <a:tailEnd type="triangle" w="lg" len="lg"/>
-          </a:ln>
-        </p:spPr>
-        <p:style>
-          <a:lnRef idx="1">
-            <a:schemeClr val="accent1"/>
-          </a:lnRef>
-          <a:fillRef idx="0">
-            <a:schemeClr val="accent1"/>
-          </a:fillRef>
-          <a:effectRef idx="0">
-            <a:schemeClr val="accent1"/>
-          </a:effectRef>
-          <a:fontRef idx="minor">
-            <a:schemeClr val="tx1"/>
-          </a:fontRef>
-        </p:style>
-      </p:cxnSp>
-      <p:cxnSp>
-        <p:nvCxnSpPr>
-          <p:cNvPr id="51" name="Connecteur droit avec flèche 50">
-            <a:extLst>
-              <a:ext uri="{FF2B5EF4-FFF2-40B4-BE49-F238E27FC236}">
-                <a16:creationId xmlns:a16="http://schemas.microsoft.com/office/drawing/2014/main" id="{A6C8725C-439F-4ECB-80BE-6ADA00C21D0A}"/>
-              </a:ext>
-            </a:extLst>
-          </p:cNvPr>
-          <p:cNvCxnSpPr>
-            <a:cxnSpLocks/>
-          </p:cNvCxnSpPr>
-          <p:nvPr/>
-        </p:nvCxnSpPr>
-        <p:spPr>
-          <a:xfrm flipV="1">
-            <a:off x="5100699" y="2785431"/>
-            <a:ext cx="1219975" cy="2066291"/>
-          </a:xfrm>
-          <a:prstGeom prst="straightConnector1">
-            <a:avLst/>
-          </a:prstGeom>
-          <a:ln>
-            <a:solidFill>
-              <a:schemeClr val="tx1"/>
-            </a:solidFill>
-            <a:tailEnd type="triangle" w="lg" len="lg"/>
-          </a:ln>
-        </p:spPr>
-        <p:style>
-          <a:lnRef idx="1">
-            <a:schemeClr val="accent1"/>
-          </a:lnRef>
-          <a:fillRef idx="0">
-            <a:schemeClr val="accent1"/>
-          </a:fillRef>
-          <a:effectRef idx="0">
-            <a:schemeClr val="accent1"/>
-          </a:effectRef>
-          <a:fontRef idx="minor">
-            <a:schemeClr val="tx1"/>
-          </a:fontRef>
-        </p:style>
-      </p:cxnSp>
-      <p:sp>
-        <p:nvSpPr>
-          <p:cNvPr id="54" name="Rectangle : coins arrondis 53">
-            <a:extLst>
-              <a:ext uri="{FF2B5EF4-FFF2-40B4-BE49-F238E27FC236}">
-                <a16:creationId xmlns:a16="http://schemas.microsoft.com/office/drawing/2014/main" id="{604B7B17-F4AB-4E35-92B2-006AE2664D84}"/>
-              </a:ext>
-            </a:extLst>
-          </p:cNvPr>
-          <p:cNvSpPr/>
-          <p:nvPr/>
-        </p:nvSpPr>
-        <p:spPr>
-          <a:xfrm>
-            <a:off x="6320674" y="3243436"/>
-            <a:ext cx="3110343" cy="2150860"/>
+            <a:off x="6421890" y="4702614"/>
+            <a:ext cx="3110343" cy="1912951"/>
           </a:xfrm>
           <a:prstGeom prst="roundRect">
             <a:avLst>
@@ -4853,17 +4759,6 @@
                   <a:srgbClr val="0070C0"/>
                 </a:solidFill>
               </a:rPr>
-              <a:t>specimenRequirement</a:t>
-            </a:r>
-          </a:p>
-          <a:p>
-            <a:pPr marL="268288"/>
-            <a:r>
-              <a:rPr lang="en-US" sz="1600" noProof="1">
-                <a:solidFill>
-                  <a:srgbClr val="0070C0"/>
-                </a:solidFill>
-              </a:rPr>
               <a:t>observationRequirement</a:t>
             </a:r>
           </a:p>
@@ -4915,23 +4810,23 @@
       </p:sp>
       <p:cxnSp>
         <p:nvCxnSpPr>
-          <p:cNvPr id="56" name="Connecteur droit avec flèche 55">
-            <a:extLst>
-              <a:ext uri="{FF2B5EF4-FFF2-40B4-BE49-F238E27FC236}">
-                <a16:creationId xmlns:a16="http://schemas.microsoft.com/office/drawing/2014/main" id="{3CB0C17F-35AB-4B90-84CD-C69DF38F7CBF}"/>
+          <p:cNvPr id="79" name="Connecteur droit avec flèche 78">
+            <a:extLst>
+              <a:ext uri="{FF2B5EF4-FFF2-40B4-BE49-F238E27FC236}">
+                <a16:creationId xmlns:a16="http://schemas.microsoft.com/office/drawing/2014/main" id="{7EE5518F-0DE3-4E43-8990-E3AAE2F77304}"/>
               </a:ext>
             </a:extLst>
           </p:cNvPr>
           <p:cNvCxnSpPr>
             <a:cxnSpLocks/>
-            <a:endCxn id="6" idx="1"/>
+            <a:endCxn id="65" idx="1"/>
           </p:cNvCxnSpPr>
           <p:nvPr/>
         </p:nvCxnSpPr>
         <p:spPr>
           <a:xfrm flipV="1">
-            <a:off x="8705595" y="2998991"/>
-            <a:ext cx="1313473" cy="972048"/>
+            <a:off x="5022574" y="4081348"/>
+            <a:ext cx="1399316" cy="1792755"/>
           </a:xfrm>
           <a:prstGeom prst="straightConnector1">
             <a:avLst/>
@@ -4958,57 +4853,12 @@
           </a:fontRef>
         </p:style>
       </p:cxnSp>
-      <p:cxnSp>
-        <p:nvCxnSpPr>
-          <p:cNvPr id="60" name="Connecteur droit avec flèche 59">
-            <a:extLst>
-              <a:ext uri="{FF2B5EF4-FFF2-40B4-BE49-F238E27FC236}">
-                <a16:creationId xmlns:a16="http://schemas.microsoft.com/office/drawing/2014/main" id="{C70D26F4-E184-4015-9DB6-E818E34F7DA5}"/>
-              </a:ext>
-            </a:extLst>
-          </p:cNvPr>
-          <p:cNvCxnSpPr>
-            <a:cxnSpLocks/>
-            <a:endCxn id="54" idx="1"/>
-          </p:cNvCxnSpPr>
-          <p:nvPr/>
-        </p:nvCxnSpPr>
-        <p:spPr>
-          <a:xfrm flipV="1">
-            <a:off x="4800246" y="4318866"/>
-            <a:ext cx="1520428" cy="1015210"/>
-          </a:xfrm>
-          <a:prstGeom prst="straightConnector1">
-            <a:avLst/>
-          </a:prstGeom>
-          <a:ln>
-            <a:solidFill>
-              <a:schemeClr val="tx1"/>
-            </a:solidFill>
-            <a:tailEnd type="triangle" w="lg" len="lg"/>
-          </a:ln>
-        </p:spPr>
-        <p:style>
-          <a:lnRef idx="1">
-            <a:schemeClr val="accent1"/>
-          </a:lnRef>
-          <a:fillRef idx="0">
-            <a:schemeClr val="accent1"/>
-          </a:fillRef>
-          <a:effectRef idx="0">
-            <a:schemeClr val="accent1"/>
-          </a:effectRef>
-          <a:fontRef idx="minor">
-            <a:schemeClr val="tx1"/>
-          </a:fontRef>
-        </p:style>
-      </p:cxnSp>
-      <p:sp>
-        <p:nvSpPr>
-          <p:cNvPr id="63" name="Rectangle : coins arrondis 62">
-            <a:extLst>
-              <a:ext uri="{FF2B5EF4-FFF2-40B4-BE49-F238E27FC236}">
-                <a16:creationId xmlns:a16="http://schemas.microsoft.com/office/drawing/2014/main" id="{9CE58BF8-3B74-4E17-9E32-6831B327351A}"/>
+      <p:sp>
+        <p:nvSpPr>
+          <p:cNvPr id="80" name="Rectangle : coins arrondis 79">
+            <a:extLst>
+              <a:ext uri="{FF2B5EF4-FFF2-40B4-BE49-F238E27FC236}">
+                <a16:creationId xmlns:a16="http://schemas.microsoft.com/office/drawing/2014/main" id="{2BB650E9-DCCF-4CC4-937E-D4995FA3CD9C}"/>
               </a:ext>
             </a:extLst>
           </p:cNvPr>
@@ -5017,12 +4867,12 @@
         </p:nvSpPr>
         <p:spPr>
           <a:xfrm>
-            <a:off x="6320673" y="5550171"/>
-            <a:ext cx="3110343" cy="908669"/>
+            <a:off x="6524477" y="2565958"/>
+            <a:ext cx="3095258" cy="908669"/>
           </a:xfrm>
           <a:prstGeom prst="roundRect">
             <a:avLst>
-              <a:gd name="adj" fmla="val 4813"/>
+              <a:gd name="adj" fmla="val 10647"/>
             </a:avLst>
           </a:prstGeom>
           <a:noFill/>
@@ -5095,23 +4945,22 @@
       </p:sp>
       <p:cxnSp>
         <p:nvCxnSpPr>
-          <p:cNvPr id="64" name="Connecteur droit avec flèche 63">
-            <a:extLst>
-              <a:ext uri="{FF2B5EF4-FFF2-40B4-BE49-F238E27FC236}">
-                <a16:creationId xmlns:a16="http://schemas.microsoft.com/office/drawing/2014/main" id="{D895A71A-CF0B-4360-B867-CEBB360D0E8C}"/>
+          <p:cNvPr id="81" name="Connecteur droit avec flèche 80">
+            <a:extLst>
+              <a:ext uri="{FF2B5EF4-FFF2-40B4-BE49-F238E27FC236}">
+                <a16:creationId xmlns:a16="http://schemas.microsoft.com/office/drawing/2014/main" id="{9085F4A1-F750-40E0-93D7-28ABADA2CA11}"/>
               </a:ext>
             </a:extLst>
           </p:cNvPr>
           <p:cNvCxnSpPr>
             <a:cxnSpLocks/>
-            <a:endCxn id="63" idx="1"/>
           </p:cNvCxnSpPr>
           <p:nvPr/>
         </p:nvCxnSpPr>
         <p:spPr>
-          <a:xfrm>
-            <a:off x="4800246" y="5832111"/>
-            <a:ext cx="1520427" cy="172395"/>
+          <a:xfrm flipV="1">
+            <a:off x="5022574" y="6004504"/>
+            <a:ext cx="1273035" cy="325341"/>
           </a:xfrm>
           <a:prstGeom prst="straightConnector1">
             <a:avLst/>
@@ -5140,23 +4989,23 @@
       </p:cxnSp>
       <p:cxnSp>
         <p:nvCxnSpPr>
-          <p:cNvPr id="72" name="Connecteur droit avec flèche 71">
-            <a:extLst>
-              <a:ext uri="{FF2B5EF4-FFF2-40B4-BE49-F238E27FC236}">
-                <a16:creationId xmlns:a16="http://schemas.microsoft.com/office/drawing/2014/main" id="{247464DA-EC58-454E-BCC7-A1ABCF60B3EB}"/>
+          <p:cNvPr id="83" name="Connecteur droit avec flèche 82">
+            <a:extLst>
+              <a:ext uri="{FF2B5EF4-FFF2-40B4-BE49-F238E27FC236}">
+                <a16:creationId xmlns:a16="http://schemas.microsoft.com/office/drawing/2014/main" id="{C753FB26-6F6A-49F7-8CFC-8A5220B9D8BE}"/>
               </a:ext>
             </a:extLst>
           </p:cNvPr>
           <p:cNvCxnSpPr>
             <a:cxnSpLocks/>
-            <a:endCxn id="42" idx="1"/>
+            <a:endCxn id="71" idx="1"/>
           </p:cNvCxnSpPr>
           <p:nvPr/>
         </p:nvCxnSpPr>
         <p:spPr>
           <a:xfrm flipV="1">
-            <a:off x="9351249" y="6102698"/>
-            <a:ext cx="540001" cy="114097"/>
+            <a:off x="9246637" y="2957970"/>
+            <a:ext cx="683726" cy="100450"/>
           </a:xfrm>
           <a:prstGeom prst="straightConnector1">
             <a:avLst/>
@@ -5185,23 +5034,23 @@
       </p:cxnSp>
       <p:cxnSp>
         <p:nvCxnSpPr>
-          <p:cNvPr id="76" name="Connecteur droit avec flèche 75">
-            <a:extLst>
-              <a:ext uri="{FF2B5EF4-FFF2-40B4-BE49-F238E27FC236}">
-                <a16:creationId xmlns:a16="http://schemas.microsoft.com/office/drawing/2014/main" id="{61D1D144-3AA8-4307-883D-2507A3861913}"/>
+          <p:cNvPr id="84" name="Connecteur droit avec flèche 83">
+            <a:extLst>
+              <a:ext uri="{FF2B5EF4-FFF2-40B4-BE49-F238E27FC236}">
+                <a16:creationId xmlns:a16="http://schemas.microsoft.com/office/drawing/2014/main" id="{30B83AF2-306A-490C-B440-9471401ADCA3}"/>
               </a:ext>
             </a:extLst>
           </p:cNvPr>
           <p:cNvCxnSpPr>
             <a:cxnSpLocks/>
-            <a:endCxn id="37" idx="1"/>
+            <a:endCxn id="68" idx="1"/>
           </p:cNvCxnSpPr>
           <p:nvPr/>
         </p:nvCxnSpPr>
         <p:spPr>
           <a:xfrm flipV="1">
-            <a:off x="8880157" y="3748735"/>
-            <a:ext cx="1011095" cy="437816"/>
+            <a:off x="9018104" y="4773345"/>
+            <a:ext cx="906276" cy="653420"/>
           </a:xfrm>
           <a:prstGeom prst="straightConnector1">
             <a:avLst/>
@@ -5230,23 +5079,23 @@
       </p:cxnSp>
       <p:cxnSp>
         <p:nvCxnSpPr>
-          <p:cNvPr id="78" name="Connecteur droit avec flèche 77">
-            <a:extLst>
-              <a:ext uri="{FF2B5EF4-FFF2-40B4-BE49-F238E27FC236}">
-                <a16:creationId xmlns:a16="http://schemas.microsoft.com/office/drawing/2014/main" id="{A82429F7-D660-4D50-9493-6BCDDD953C67}"/>
+          <p:cNvPr id="86" name="Connecteur droit avec flèche 85">
+            <a:extLst>
+              <a:ext uri="{FF2B5EF4-FFF2-40B4-BE49-F238E27FC236}">
+                <a16:creationId xmlns:a16="http://schemas.microsoft.com/office/drawing/2014/main" id="{33934360-9BE1-4A2A-84EF-E54EFF1A55C2}"/>
               </a:ext>
             </a:extLst>
           </p:cNvPr>
           <p:cNvCxnSpPr>
             <a:cxnSpLocks/>
-            <a:endCxn id="39" idx="1"/>
+            <a:endCxn id="69" idx="1"/>
           </p:cNvCxnSpPr>
           <p:nvPr/>
         </p:nvCxnSpPr>
         <p:spPr>
-          <a:xfrm>
-            <a:off x="8880157" y="4479574"/>
-            <a:ext cx="1011094" cy="66054"/>
+          <a:xfrm flipV="1">
+            <a:off x="8965096" y="5534121"/>
+            <a:ext cx="959284" cy="123550"/>
           </a:xfrm>
           <a:prstGeom prst="straightConnector1">
             <a:avLst/>
@@ -5275,23 +5124,23 @@
       </p:cxnSp>
       <p:cxnSp>
         <p:nvCxnSpPr>
-          <p:cNvPr id="82" name="Connecteur droit avec flèche 81">
-            <a:extLst>
-              <a:ext uri="{FF2B5EF4-FFF2-40B4-BE49-F238E27FC236}">
-                <a16:creationId xmlns:a16="http://schemas.microsoft.com/office/drawing/2014/main" id="{65C3A35C-85D3-4070-B22C-D10E1486DFE3}"/>
+          <p:cNvPr id="87" name="Connecteur droit avec flèche 86">
+            <a:extLst>
+              <a:ext uri="{FF2B5EF4-FFF2-40B4-BE49-F238E27FC236}">
+                <a16:creationId xmlns:a16="http://schemas.microsoft.com/office/drawing/2014/main" id="{1C216562-C00C-4977-A343-FFE810726B92}"/>
               </a:ext>
             </a:extLst>
           </p:cNvPr>
           <p:cNvCxnSpPr>
             <a:cxnSpLocks/>
-            <a:endCxn id="41" idx="1"/>
+            <a:endCxn id="70" idx="1"/>
           </p:cNvCxnSpPr>
           <p:nvPr/>
         </p:nvCxnSpPr>
         <p:spPr>
-          <a:xfrm>
-            <a:off x="9351249" y="5236374"/>
-            <a:ext cx="540001" cy="109524"/>
+          <a:xfrm flipV="1">
+            <a:off x="9442174" y="6300056"/>
+            <a:ext cx="482206" cy="107370"/>
           </a:xfrm>
           <a:prstGeom prst="straightConnector1">
             <a:avLst/>
@@ -5320,10 +5169,10 @@
       </p:cxnSp>
       <p:cxnSp>
         <p:nvCxnSpPr>
-          <p:cNvPr id="85" name="Connecteur droit avec flèche 84">
-            <a:extLst>
-              <a:ext uri="{FF2B5EF4-FFF2-40B4-BE49-F238E27FC236}">
-                <a16:creationId xmlns:a16="http://schemas.microsoft.com/office/drawing/2014/main" id="{974DC863-4F79-4E9A-B218-5A1BED003689}"/>
+          <p:cNvPr id="89" name="Connecteur droit avec flèche 88">
+            <a:extLst>
+              <a:ext uri="{FF2B5EF4-FFF2-40B4-BE49-F238E27FC236}">
+                <a16:creationId xmlns:a16="http://schemas.microsoft.com/office/drawing/2014/main" id="{C2CA7E56-A88E-4696-A28C-11A904B5D6CB}"/>
               </a:ext>
             </a:extLst>
           </p:cNvPr>
@@ -5334,8 +5183,8 @@
         </p:nvCxnSpPr>
         <p:spPr>
           <a:xfrm flipV="1">
-            <a:off x="9390362" y="4635501"/>
-            <a:ext cx="502938" cy="275365"/>
+            <a:off x="9476838" y="5589660"/>
+            <a:ext cx="416462" cy="572570"/>
           </a:xfrm>
           <a:prstGeom prst="straightConnector1">
             <a:avLst/>
@@ -5364,10 +5213,10 @@
       </p:cxnSp>
       <p:cxnSp>
         <p:nvCxnSpPr>
-          <p:cNvPr id="88" name="Connecteur droit avec flèche 87">
-            <a:extLst>
-              <a:ext uri="{FF2B5EF4-FFF2-40B4-BE49-F238E27FC236}">
-                <a16:creationId xmlns:a16="http://schemas.microsoft.com/office/drawing/2014/main" id="{33A930F1-9E73-4191-B47D-3E90DCD93E82}"/>
+          <p:cNvPr id="90" name="Connecteur droit avec flèche 89">
+            <a:extLst>
+              <a:ext uri="{FF2B5EF4-FFF2-40B4-BE49-F238E27FC236}">
+                <a16:creationId xmlns:a16="http://schemas.microsoft.com/office/drawing/2014/main" id="{18267E09-D7D0-4734-886D-199E63D6E07D}"/>
               </a:ext>
             </a:extLst>
           </p:cNvPr>
@@ -5378,8 +5227,8 @@
         </p:nvCxnSpPr>
         <p:spPr>
           <a:xfrm flipV="1">
-            <a:off x="9340599" y="3873501"/>
-            <a:ext cx="540001" cy="844288"/>
+            <a:off x="9442174" y="4827659"/>
+            <a:ext cx="438426" cy="1046444"/>
           </a:xfrm>
           <a:prstGeom prst="straightConnector1">
             <a:avLst/>
@@ -5408,10 +5257,10 @@
       </p:cxnSp>
       <p:sp>
         <p:nvSpPr>
-          <p:cNvPr id="2" name="Accolade ouvrante 1">
-            <a:extLst>
-              <a:ext uri="{FF2B5EF4-FFF2-40B4-BE49-F238E27FC236}">
-                <a16:creationId xmlns:a16="http://schemas.microsoft.com/office/drawing/2014/main" id="{26D83A16-1EFA-4CB5-B3D0-28806E30E603}"/>
+          <p:cNvPr id="91" name="Accolade ouvrante 90">
+            <a:extLst>
+              <a:ext uri="{FF2B5EF4-FFF2-40B4-BE49-F238E27FC236}">
+                <a16:creationId xmlns:a16="http://schemas.microsoft.com/office/drawing/2014/main" id="{365EDF00-1461-4280-874A-066FD3080C6A}"/>
               </a:ext>
             </a:extLst>
           </p:cNvPr>
@@ -5420,8 +5269,8 @@
         </p:nvSpPr>
         <p:spPr>
           <a:xfrm>
-            <a:off x="947584" y="2793226"/>
-            <a:ext cx="324464" cy="3119030"/>
+            <a:off x="2093895" y="5637942"/>
+            <a:ext cx="540485" cy="820898"/>
           </a:xfrm>
           <a:prstGeom prst="leftBrace">
             <a:avLst>
@@ -5462,10 +5311,10 @@
       </p:sp>
       <p:sp>
         <p:nvSpPr>
-          <p:cNvPr id="3" name="ZoneTexte 2">
-            <a:extLst>
-              <a:ext uri="{FF2B5EF4-FFF2-40B4-BE49-F238E27FC236}">
-                <a16:creationId xmlns:a16="http://schemas.microsoft.com/office/drawing/2014/main" id="{C55F33E1-94B7-4346-9E3D-12CDF579A17B}"/>
+          <p:cNvPr id="92" name="ZoneTexte 91">
+            <a:extLst>
+              <a:ext uri="{FF2B5EF4-FFF2-40B4-BE49-F238E27FC236}">
+                <a16:creationId xmlns:a16="http://schemas.microsoft.com/office/drawing/2014/main" id="{1189FE8D-CA59-4811-92B9-162DD11229E3}"/>
               </a:ext>
             </a:extLst>
           </p:cNvPr>
@@ -5474,8 +5323,8 @@
         </p:nvSpPr>
         <p:spPr>
           <a:xfrm>
-            <a:off x="225632" y="4007422"/>
-            <a:ext cx="796413" cy="646331"/>
+            <a:off x="634528" y="5854161"/>
+            <a:ext cx="1326627" cy="369332"/>
           </a:xfrm>
           <a:prstGeom prst="rect">
             <a:avLst/>
@@ -5501,289 +5350,12 @@
           </a:p>
         </p:txBody>
       </p:sp>
-      <p:sp>
-        <p:nvSpPr>
-          <p:cNvPr id="46" name="Accolade ouvrante 45">
-            <a:extLst>
-              <a:ext uri="{FF2B5EF4-FFF2-40B4-BE49-F238E27FC236}">
-                <a16:creationId xmlns:a16="http://schemas.microsoft.com/office/drawing/2014/main" id="{7FB6B663-DCB3-4AD8-8971-B0D69498B4B6}"/>
-              </a:ext>
-            </a:extLst>
-          </p:cNvPr>
-          <p:cNvSpPr/>
-          <p:nvPr/>
-        </p:nvSpPr>
-        <p:spPr>
-          <a:xfrm>
-            <a:off x="1916299" y="3535716"/>
-            <a:ext cx="324464" cy="1361069"/>
-          </a:xfrm>
-          <a:prstGeom prst="leftBrace">
-            <a:avLst>
-              <a:gd name="adj1" fmla="val 35919"/>
-              <a:gd name="adj2" fmla="val 50000"/>
-            </a:avLst>
-          </a:prstGeom>
-          <a:ln>
-            <a:solidFill>
-              <a:schemeClr val="accent2">
-                <a:lumMod val="50000"/>
-              </a:schemeClr>
-            </a:solidFill>
-          </a:ln>
-        </p:spPr>
-        <p:style>
-          <a:lnRef idx="1">
-            <a:schemeClr val="accent1"/>
-          </a:lnRef>
-          <a:fillRef idx="0">
-            <a:schemeClr val="accent1"/>
-          </a:fillRef>
-          <a:effectRef idx="0">
-            <a:schemeClr val="accent1"/>
-          </a:effectRef>
-          <a:fontRef idx="minor">
-            <a:schemeClr val="tx1"/>
-          </a:fontRef>
-        </p:style>
-        <p:txBody>
-          <a:bodyPr rtlCol="0" anchor="ctr"/>
-          <a:lstStyle/>
-          <a:p>
-            <a:pPr algn="ctr"/>
-            <a:endParaRPr lang="fr-FR"/>
-          </a:p>
-        </p:txBody>
-      </p:sp>
-      <p:sp>
-        <p:nvSpPr>
-          <p:cNvPr id="48" name="ZoneTexte 47">
-            <a:extLst>
-              <a:ext uri="{FF2B5EF4-FFF2-40B4-BE49-F238E27FC236}">
-                <a16:creationId xmlns:a16="http://schemas.microsoft.com/office/drawing/2014/main" id="{70816FDC-8CE9-4DB9-9D11-8DB7B2A4EC27}"/>
-              </a:ext>
-            </a:extLst>
-          </p:cNvPr>
-          <p:cNvSpPr txBox="1"/>
-          <p:nvPr/>
-        </p:nvSpPr>
-        <p:spPr>
-          <a:xfrm>
-            <a:off x="1342713" y="3858146"/>
-            <a:ext cx="796413" cy="646331"/>
-          </a:xfrm>
-          <a:prstGeom prst="rect">
-            <a:avLst/>
-          </a:prstGeom>
-          <a:noFill/>
-        </p:spPr>
-        <p:txBody>
-          <a:bodyPr wrap="square" rtlCol="0">
-            <a:spAutoFit/>
-          </a:bodyPr>
-          <a:lstStyle/>
-          <a:p>
-            <a:r>
-              <a:rPr lang="fr-FR" dirty="0">
-                <a:solidFill>
-                  <a:schemeClr val="accent2">
-                    <a:lumMod val="50000"/>
-                  </a:schemeClr>
-                </a:solidFill>
-              </a:rPr>
-              <a:t>Group XOR</a:t>
-            </a:r>
-          </a:p>
-        </p:txBody>
-      </p:sp>
       <p:cxnSp>
         <p:nvCxnSpPr>
-          <p:cNvPr id="5" name="Connecteur droit 4">
-            <a:extLst>
-              <a:ext uri="{FF2B5EF4-FFF2-40B4-BE49-F238E27FC236}">
-                <a16:creationId xmlns:a16="http://schemas.microsoft.com/office/drawing/2014/main" id="{518A0AA2-FED3-4C89-87F9-94803474F518}"/>
-              </a:ext>
-            </a:extLst>
-          </p:cNvPr>
-          <p:cNvCxnSpPr/>
-          <p:nvPr/>
-        </p:nvCxnSpPr>
-        <p:spPr>
-          <a:xfrm>
-            <a:off x="1342713" y="2793226"/>
-            <a:ext cx="1453335" cy="0"/>
-          </a:xfrm>
-          <a:prstGeom prst="line">
-            <a:avLst/>
-          </a:prstGeom>
-          <a:ln w="12700">
-            <a:solidFill>
-              <a:schemeClr val="accent2">
-                <a:lumMod val="50000"/>
-              </a:schemeClr>
-            </a:solidFill>
-            <a:prstDash val="dash"/>
-          </a:ln>
-        </p:spPr>
-        <p:style>
-          <a:lnRef idx="1">
-            <a:schemeClr val="accent1"/>
-          </a:lnRef>
-          <a:fillRef idx="0">
-            <a:schemeClr val="accent1"/>
-          </a:fillRef>
-          <a:effectRef idx="0">
-            <a:schemeClr val="accent1"/>
-          </a:effectRef>
-          <a:fontRef idx="minor">
-            <a:schemeClr val="tx1"/>
-          </a:fontRef>
-        </p:style>
-      </p:cxnSp>
-      <p:cxnSp>
-        <p:nvCxnSpPr>
-          <p:cNvPr id="49" name="Connecteur droit 48">
-            <a:extLst>
-              <a:ext uri="{FF2B5EF4-FFF2-40B4-BE49-F238E27FC236}">
-                <a16:creationId xmlns:a16="http://schemas.microsoft.com/office/drawing/2014/main" id="{DC780968-449D-404B-9FCB-B81754995837}"/>
-              </a:ext>
-            </a:extLst>
-          </p:cNvPr>
-          <p:cNvCxnSpPr>
-            <a:cxnSpLocks/>
-          </p:cNvCxnSpPr>
-          <p:nvPr/>
-        </p:nvCxnSpPr>
-        <p:spPr>
-          <a:xfrm>
-            <a:off x="1371290" y="5912256"/>
-            <a:ext cx="1424758" cy="0"/>
-          </a:xfrm>
-          <a:prstGeom prst="line">
-            <a:avLst/>
-          </a:prstGeom>
-          <a:ln w="12700">
-            <a:solidFill>
-              <a:schemeClr val="accent2">
-                <a:lumMod val="50000"/>
-              </a:schemeClr>
-            </a:solidFill>
-            <a:prstDash val="dash"/>
-          </a:ln>
-        </p:spPr>
-        <p:style>
-          <a:lnRef idx="1">
-            <a:schemeClr val="accent1"/>
-          </a:lnRef>
-          <a:fillRef idx="0">
-            <a:schemeClr val="accent1"/>
-          </a:fillRef>
-          <a:effectRef idx="0">
-            <a:schemeClr val="accent1"/>
-          </a:effectRef>
-          <a:fontRef idx="minor">
-            <a:schemeClr val="tx1"/>
-          </a:fontRef>
-        </p:style>
-      </p:cxnSp>
-      <p:cxnSp>
-        <p:nvCxnSpPr>
-          <p:cNvPr id="50" name="Connecteur droit 49">
-            <a:extLst>
-              <a:ext uri="{FF2B5EF4-FFF2-40B4-BE49-F238E27FC236}">
-                <a16:creationId xmlns:a16="http://schemas.microsoft.com/office/drawing/2014/main" id="{1DF967DA-66B1-42F9-89F5-4432E83A5668}"/>
-              </a:ext>
-            </a:extLst>
-          </p:cNvPr>
-          <p:cNvCxnSpPr>
-            <a:cxnSpLocks/>
-          </p:cNvCxnSpPr>
-          <p:nvPr/>
-        </p:nvCxnSpPr>
-        <p:spPr>
-          <a:xfrm>
-            <a:off x="2325329" y="3535716"/>
-            <a:ext cx="755855" cy="0"/>
-          </a:xfrm>
-          <a:prstGeom prst="line">
-            <a:avLst/>
-          </a:prstGeom>
-          <a:ln w="12700">
-            <a:solidFill>
-              <a:schemeClr val="accent2">
-                <a:lumMod val="50000"/>
-              </a:schemeClr>
-            </a:solidFill>
-            <a:prstDash val="dash"/>
-          </a:ln>
-        </p:spPr>
-        <p:style>
-          <a:lnRef idx="1">
-            <a:schemeClr val="accent1"/>
-          </a:lnRef>
-          <a:fillRef idx="0">
-            <a:schemeClr val="accent1"/>
-          </a:fillRef>
-          <a:effectRef idx="0">
-            <a:schemeClr val="accent1"/>
-          </a:effectRef>
-          <a:fontRef idx="minor">
-            <a:schemeClr val="tx1"/>
-          </a:fontRef>
-        </p:style>
-      </p:cxnSp>
-      <p:cxnSp>
-        <p:nvCxnSpPr>
-          <p:cNvPr id="52" name="Connecteur droit 51">
-            <a:extLst>
-              <a:ext uri="{FF2B5EF4-FFF2-40B4-BE49-F238E27FC236}">
-                <a16:creationId xmlns:a16="http://schemas.microsoft.com/office/drawing/2014/main" id="{A0633797-E7BA-40A6-93DE-2FB8C48A0E3A}"/>
-              </a:ext>
-            </a:extLst>
-          </p:cNvPr>
-          <p:cNvCxnSpPr>
-            <a:cxnSpLocks/>
-          </p:cNvCxnSpPr>
-          <p:nvPr/>
-        </p:nvCxnSpPr>
-        <p:spPr>
-          <a:xfrm>
-            <a:off x="2303206" y="4896785"/>
-            <a:ext cx="755855" cy="0"/>
-          </a:xfrm>
-          <a:prstGeom prst="line">
-            <a:avLst/>
-          </a:prstGeom>
-          <a:ln w="12700">
-            <a:solidFill>
-              <a:schemeClr val="accent2">
-                <a:lumMod val="50000"/>
-              </a:schemeClr>
-            </a:solidFill>
-            <a:prstDash val="dash"/>
-          </a:ln>
-        </p:spPr>
-        <p:style>
-          <a:lnRef idx="1">
-            <a:schemeClr val="accent1"/>
-          </a:lnRef>
-          <a:fillRef idx="0">
-            <a:schemeClr val="accent1"/>
-          </a:fillRef>
-          <a:effectRef idx="0">
-            <a:schemeClr val="accent1"/>
-          </a:effectRef>
-          <a:fontRef idx="minor">
-            <a:schemeClr val="tx1"/>
-          </a:fontRef>
-        </p:style>
-      </p:cxnSp>
-      <p:cxnSp>
-        <p:nvCxnSpPr>
-          <p:cNvPr id="53" name="Connecteur droit avec flèche 52">
-            <a:extLst>
-              <a:ext uri="{FF2B5EF4-FFF2-40B4-BE49-F238E27FC236}">
-                <a16:creationId xmlns:a16="http://schemas.microsoft.com/office/drawing/2014/main" id="{E82DF89C-9849-4E70-9158-001B03303D1B}"/>
+          <p:cNvPr id="93" name="Connecteur droit avec flèche 92">
+            <a:extLst>
+              <a:ext uri="{FF2B5EF4-FFF2-40B4-BE49-F238E27FC236}">
+                <a16:creationId xmlns:a16="http://schemas.microsoft.com/office/drawing/2014/main" id="{FD6A5A16-C8FC-404C-B75E-E703BB534BA5}"/>
               </a:ext>
             </a:extLst>
           </p:cNvPr>
@@ -5794,8 +5366,8 @@
         </p:nvCxnSpPr>
         <p:spPr>
           <a:xfrm flipH="1">
-            <a:off x="2134829" y="1229566"/>
-            <a:ext cx="407799" cy="0"/>
+            <a:off x="2134830" y="990056"/>
+            <a:ext cx="396335" cy="239510"/>
           </a:xfrm>
           <a:prstGeom prst="straightConnector1">
             <a:avLst/>
@@ -5824,10 +5396,10 @@
       </p:cxnSp>
       <p:sp>
         <p:nvSpPr>
-          <p:cNvPr id="55" name="Rectangle : coins arrondis 54">
-            <a:extLst>
-              <a:ext uri="{FF2B5EF4-FFF2-40B4-BE49-F238E27FC236}">
-                <a16:creationId xmlns:a16="http://schemas.microsoft.com/office/drawing/2014/main" id="{656B906D-741A-43FD-8F31-A9579F7445D6}"/>
+          <p:cNvPr id="94" name="Rectangle : coins arrondis 93">
+            <a:extLst>
+              <a:ext uri="{FF2B5EF4-FFF2-40B4-BE49-F238E27FC236}">
+                <a16:creationId xmlns:a16="http://schemas.microsoft.com/office/drawing/2014/main" id="{9CD50DB6-4ABA-420F-A220-3DA5AED2BAEA}"/>
               </a:ext>
             </a:extLst>
           </p:cNvPr>
@@ -5937,6 +5509,96 @@
           </a:p>
         </p:txBody>
       </p:sp>
+      <p:cxnSp>
+        <p:nvCxnSpPr>
+          <p:cNvPr id="95" name="Connecteur droit avec flèche 94">
+            <a:extLst>
+              <a:ext uri="{FF2B5EF4-FFF2-40B4-BE49-F238E27FC236}">
+                <a16:creationId xmlns:a16="http://schemas.microsoft.com/office/drawing/2014/main" id="{0D0D842F-2BC5-4F4D-AE95-A2C42515EA40}"/>
+              </a:ext>
+            </a:extLst>
+          </p:cNvPr>
+          <p:cNvCxnSpPr>
+            <a:cxnSpLocks/>
+            <a:endCxn id="67" idx="1"/>
+          </p:cNvCxnSpPr>
+          <p:nvPr/>
+        </p:nvCxnSpPr>
+        <p:spPr>
+          <a:xfrm flipV="1">
+            <a:off x="5439153" y="2090407"/>
+            <a:ext cx="1393634" cy="1796202"/>
+          </a:xfrm>
+          <a:prstGeom prst="straightConnector1">
+            <a:avLst/>
+          </a:prstGeom>
+          <a:ln>
+            <a:solidFill>
+              <a:srgbClr val="00B050"/>
+            </a:solidFill>
+            <a:tailEnd type="triangle" w="lg" len="lg"/>
+          </a:ln>
+        </p:spPr>
+        <p:style>
+          <a:lnRef idx="1">
+            <a:schemeClr val="accent1"/>
+          </a:lnRef>
+          <a:fillRef idx="0">
+            <a:schemeClr val="accent1"/>
+          </a:fillRef>
+          <a:effectRef idx="0">
+            <a:schemeClr val="accent1"/>
+          </a:effectRef>
+          <a:fontRef idx="minor">
+            <a:schemeClr val="tx1"/>
+          </a:fontRef>
+        </p:style>
+      </p:cxnSp>
+      <p:cxnSp>
+        <p:nvCxnSpPr>
+          <p:cNvPr id="96" name="Connecteur droit avec flèche 95">
+            <a:extLst>
+              <a:ext uri="{FF2B5EF4-FFF2-40B4-BE49-F238E27FC236}">
+                <a16:creationId xmlns:a16="http://schemas.microsoft.com/office/drawing/2014/main" id="{305EFC0C-B5E7-4622-9172-87A8A69AB13B}"/>
+              </a:ext>
+            </a:extLst>
+          </p:cNvPr>
+          <p:cNvCxnSpPr>
+            <a:cxnSpLocks/>
+            <a:endCxn id="57" idx="1"/>
+          </p:cNvCxnSpPr>
+          <p:nvPr/>
+        </p:nvCxnSpPr>
+        <p:spPr>
+          <a:xfrm flipV="1">
+            <a:off x="5420522" y="1321988"/>
+            <a:ext cx="1414530" cy="2303618"/>
+          </a:xfrm>
+          <a:prstGeom prst="straightConnector1">
+            <a:avLst/>
+          </a:prstGeom>
+          <a:ln>
+            <a:solidFill>
+              <a:srgbClr val="00B050"/>
+            </a:solidFill>
+            <a:tailEnd type="triangle" w="lg" len="lg"/>
+          </a:ln>
+        </p:spPr>
+        <p:style>
+          <a:lnRef idx="1">
+            <a:schemeClr val="accent1"/>
+          </a:lnRef>
+          <a:fillRef idx="0">
+            <a:schemeClr val="accent1"/>
+          </a:fillRef>
+          <a:effectRef idx="0">
+            <a:schemeClr val="accent1"/>
+          </a:effectRef>
+          <a:fontRef idx="minor">
+            <a:schemeClr val="tx1"/>
+          </a:fontRef>
+        </p:style>
+      </p:cxnSp>
     </p:spTree>
     <p:extLst>
       <p:ext uri="{BB962C8B-B14F-4D97-AF65-F5344CB8AC3E}">

--- a/input/images-source/LabExampleE5Technical.pptx
+++ b/input/images-source/LabExampleE5Technical.pptx
@@ -259,7 +259,7 @@
           <a:p>
             <a:fld id="{82A80506-317F-4DB9-92D4-7565E8A7FA19}" type="datetimeFigureOut">
               <a:rPr lang="fr-FR" smtClean="0"/>
-              <a:t>08/06/2020</a:t>
+              <a:t>09/06/2020</a:t>
             </a:fld>
             <a:endParaRPr lang="fr-FR"/>
           </a:p>
@@ -457,7 +457,7 @@
           <a:p>
             <a:fld id="{82A80506-317F-4DB9-92D4-7565E8A7FA19}" type="datetimeFigureOut">
               <a:rPr lang="fr-FR" smtClean="0"/>
-              <a:t>08/06/2020</a:t>
+              <a:t>09/06/2020</a:t>
             </a:fld>
             <a:endParaRPr lang="fr-FR"/>
           </a:p>
@@ -665,7 +665,7 @@
           <a:p>
             <a:fld id="{82A80506-317F-4DB9-92D4-7565E8A7FA19}" type="datetimeFigureOut">
               <a:rPr lang="fr-FR" smtClean="0"/>
-              <a:t>08/06/2020</a:t>
+              <a:t>09/06/2020</a:t>
             </a:fld>
             <a:endParaRPr lang="fr-FR"/>
           </a:p>
@@ -863,7 +863,7 @@
           <a:p>
             <a:fld id="{82A80506-317F-4DB9-92D4-7565E8A7FA19}" type="datetimeFigureOut">
               <a:rPr lang="fr-FR" smtClean="0"/>
-              <a:t>08/06/2020</a:t>
+              <a:t>09/06/2020</a:t>
             </a:fld>
             <a:endParaRPr lang="fr-FR"/>
           </a:p>
@@ -1138,7 +1138,7 @@
           <a:p>
             <a:fld id="{82A80506-317F-4DB9-92D4-7565E8A7FA19}" type="datetimeFigureOut">
               <a:rPr lang="fr-FR" smtClean="0"/>
-              <a:t>08/06/2020</a:t>
+              <a:t>09/06/2020</a:t>
             </a:fld>
             <a:endParaRPr lang="fr-FR"/>
           </a:p>
@@ -1403,7 +1403,7 @@
           <a:p>
             <a:fld id="{82A80506-317F-4DB9-92D4-7565E8A7FA19}" type="datetimeFigureOut">
               <a:rPr lang="fr-FR" smtClean="0"/>
-              <a:t>08/06/2020</a:t>
+              <a:t>09/06/2020</a:t>
             </a:fld>
             <a:endParaRPr lang="fr-FR"/>
           </a:p>
@@ -1815,7 +1815,7 @@
           <a:p>
             <a:fld id="{82A80506-317F-4DB9-92D4-7565E8A7FA19}" type="datetimeFigureOut">
               <a:rPr lang="fr-FR" smtClean="0"/>
-              <a:t>08/06/2020</a:t>
+              <a:t>09/06/2020</a:t>
             </a:fld>
             <a:endParaRPr lang="fr-FR"/>
           </a:p>
@@ -1956,7 +1956,7 @@
           <a:p>
             <a:fld id="{82A80506-317F-4DB9-92D4-7565E8A7FA19}" type="datetimeFigureOut">
               <a:rPr lang="fr-FR" smtClean="0"/>
-              <a:t>08/06/2020</a:t>
+              <a:t>09/06/2020</a:t>
             </a:fld>
             <a:endParaRPr lang="fr-FR"/>
           </a:p>
@@ -2069,7 +2069,7 @@
           <a:p>
             <a:fld id="{82A80506-317F-4DB9-92D4-7565E8A7FA19}" type="datetimeFigureOut">
               <a:rPr lang="fr-FR" smtClean="0"/>
-              <a:t>08/06/2020</a:t>
+              <a:t>09/06/2020</a:t>
             </a:fld>
             <a:endParaRPr lang="fr-FR"/>
           </a:p>
@@ -2380,7 +2380,7 @@
           <a:p>
             <a:fld id="{82A80506-317F-4DB9-92D4-7565E8A7FA19}" type="datetimeFigureOut">
               <a:rPr lang="fr-FR" smtClean="0"/>
-              <a:t>08/06/2020</a:t>
+              <a:t>09/06/2020</a:t>
             </a:fld>
             <a:endParaRPr lang="fr-FR"/>
           </a:p>
@@ -2668,7 +2668,7 @@
           <a:p>
             <a:fld id="{82A80506-317F-4DB9-92D4-7565E8A7FA19}" type="datetimeFigureOut">
               <a:rPr lang="fr-FR" smtClean="0"/>
-              <a:t>08/06/2020</a:t>
+              <a:t>09/06/2020</a:t>
             </a:fld>
             <a:endParaRPr lang="fr-FR"/>
           </a:p>
@@ -2909,7 +2909,7 @@
           <a:p>
             <a:fld id="{82A80506-317F-4DB9-92D4-7565E8A7FA19}" type="datetimeFigureOut">
               <a:rPr lang="fr-FR" smtClean="0"/>
-              <a:t>08/06/2020</a:t>
+              <a:t>09/06/2020</a:t>
             </a:fld>
             <a:endParaRPr lang="fr-FR"/>
           </a:p>
@@ -3328,10 +3328,10 @@
       </p:grpSpPr>
       <p:sp>
         <p:nvSpPr>
-          <p:cNvPr id="57" name="Rectangle : coins arrondis 56">
-            <a:extLst>
-              <a:ext uri="{FF2B5EF4-FFF2-40B4-BE49-F238E27FC236}">
-                <a16:creationId xmlns:a16="http://schemas.microsoft.com/office/drawing/2014/main" id="{3E4BBE1B-E38B-4700-9B77-97D5703AF688}"/>
+          <p:cNvPr id="33" name="Rectangle : coins arrondis 32">
+            <a:extLst>
+              <a:ext uri="{FF2B5EF4-FFF2-40B4-BE49-F238E27FC236}">
+                <a16:creationId xmlns:a16="http://schemas.microsoft.com/office/drawing/2014/main" id="{30AA7395-B344-497C-B703-7716AEAFE94A}"/>
               </a:ext>
             </a:extLst>
           </p:cNvPr>
@@ -3340,7 +3340,7 @@
         </p:nvSpPr>
         <p:spPr>
           <a:xfrm>
-            <a:off x="6835052" y="1003004"/>
+            <a:off x="6548272" y="1836993"/>
             <a:ext cx="2045105" cy="637968"/>
           </a:xfrm>
           <a:prstGeom prst="roundRect">
@@ -3399,23 +3399,23 @@
       </p:sp>
       <p:cxnSp>
         <p:nvCxnSpPr>
-          <p:cNvPr id="58" name="Connecteur droit avec flèche 57">
-            <a:extLst>
-              <a:ext uri="{FF2B5EF4-FFF2-40B4-BE49-F238E27FC236}">
-                <a16:creationId xmlns:a16="http://schemas.microsoft.com/office/drawing/2014/main" id="{827DEA1E-4C98-4754-9397-87D9E709EF26}"/>
+          <p:cNvPr id="34" name="Connecteur droit avec flèche 33">
+            <a:extLst>
+              <a:ext uri="{FF2B5EF4-FFF2-40B4-BE49-F238E27FC236}">
+                <a16:creationId xmlns:a16="http://schemas.microsoft.com/office/drawing/2014/main" id="{8F1ECB2D-5AD1-498C-8C35-2A6281C675E8}"/>
               </a:ext>
             </a:extLst>
           </p:cNvPr>
           <p:cNvCxnSpPr>
             <a:cxnSpLocks/>
-            <a:endCxn id="57" idx="1"/>
+            <a:endCxn id="33" idx="1"/>
           </p:cNvCxnSpPr>
           <p:nvPr/>
         </p:nvCxnSpPr>
         <p:spPr>
           <a:xfrm flipV="1">
-            <a:off x="5457784" y="1321988"/>
-            <a:ext cx="1377268" cy="1677002"/>
+            <a:off x="5574609" y="2155977"/>
+            <a:ext cx="973663" cy="1774377"/>
           </a:xfrm>
           <a:prstGeom prst="straightConnector1">
             <a:avLst/>
@@ -3444,10 +3444,10 @@
       </p:cxnSp>
       <p:sp>
         <p:nvSpPr>
-          <p:cNvPr id="59" name="Rectangle : coins arrondis 58">
-            <a:extLst>
-              <a:ext uri="{FF2B5EF4-FFF2-40B4-BE49-F238E27FC236}">
-                <a16:creationId xmlns:a16="http://schemas.microsoft.com/office/drawing/2014/main" id="{C7074E38-AB0A-4984-A644-A9C32C3455E9}"/>
+          <p:cNvPr id="35" name="Rectangle : coins arrondis 34">
+            <a:extLst>
+              <a:ext uri="{FF2B5EF4-FFF2-40B4-BE49-F238E27FC236}">
+                <a16:creationId xmlns:a16="http://schemas.microsoft.com/office/drawing/2014/main" id="{3CB92840-70DC-4B95-8129-E07830BADF2A}"/>
               </a:ext>
             </a:extLst>
           </p:cNvPr>
@@ -3515,10 +3515,10 @@
       </p:sp>
       <p:sp>
         <p:nvSpPr>
-          <p:cNvPr id="61" name="Rectangle : coins arrondis 60">
-            <a:extLst>
-              <a:ext uri="{FF2B5EF4-FFF2-40B4-BE49-F238E27FC236}">
-                <a16:creationId xmlns:a16="http://schemas.microsoft.com/office/drawing/2014/main" id="{D399758E-8356-4477-9AB5-E86C69F7B349}"/>
+          <p:cNvPr id="36" name="Rectangle : coins arrondis 35">
+            <a:extLst>
+              <a:ext uri="{FF2B5EF4-FFF2-40B4-BE49-F238E27FC236}">
+                <a16:creationId xmlns:a16="http://schemas.microsoft.com/office/drawing/2014/main" id="{A468B3D1-9F2A-4FAE-B71D-BD2CF120C01E}"/>
               </a:ext>
             </a:extLst>
           </p:cNvPr>
@@ -3528,7 +3528,7 @@
         <p:spPr>
           <a:xfrm>
             <a:off x="2359374" y="523461"/>
-            <a:ext cx="3602074" cy="6042991"/>
+            <a:ext cx="3602074" cy="6243099"/>
           </a:xfrm>
           <a:prstGeom prst="roundRect">
             <a:avLst>
@@ -3716,7 +3716,7 @@
                   <a:srgbClr val="00B050"/>
                 </a:solidFill>
               </a:rPr>
-              <a:t>    {   exclusiveGroup 	 </a:t>
+              <a:t>    {    exclusiveGroup [	 </a:t>
             </a:r>
           </a:p>
           <a:p>
@@ -3727,7 +3727,7 @@
                   <a:srgbClr val="00B050"/>
                 </a:solidFill>
               </a:rPr>
-              <a:t>            [  { sampleRequirement },</a:t>
+              <a:t>             { sampleRequirement  [] }, </a:t>
             </a:r>
           </a:p>
           <a:p>
@@ -3738,7 +3738,7 @@
                   <a:srgbClr val="00B050"/>
                 </a:solidFill>
               </a:rPr>
-              <a:t>               { sampleRequirement }   ]</a:t>
+              <a:t>             { sampleRequirement  [] }</a:t>
             </a:r>
           </a:p>
           <a:p>
@@ -3749,6 +3749,17 @@
                   <a:srgbClr val="00B050"/>
                 </a:solidFill>
               </a:rPr>
+              <a:t>          ]</a:t>
+            </a:r>
+          </a:p>
+          <a:p>
+            <a:pPr marL="354013"/>
+            <a:r>
+              <a:rPr lang="en-US" sz="1600" noProof="1">
+                <a:solidFill>
+                  <a:srgbClr val="00B050"/>
+                </a:solidFill>
+              </a:rPr>
               <a:t>    },</a:t>
             </a:r>
           </a:p>
@@ -3760,7 +3771,7 @@
                   <a:srgbClr val="00B050"/>
                 </a:solidFill>
               </a:rPr>
-              <a:t>    {   exclusiveGroup 	 </a:t>
+              <a:t>    {    exclusiveGroup [	 </a:t>
             </a:r>
           </a:p>
           <a:p>
@@ -3771,7 +3782,7 @@
                   <a:srgbClr val="00B050"/>
                 </a:solidFill>
               </a:rPr>
-              <a:t>            [  { sampleRequirement },  </a:t>
+              <a:t>             { sampleRequirement  [] }</a:t>
             </a:r>
           </a:p>
           <a:p>
@@ -3782,7 +3793,7 @@
                   <a:srgbClr val="00B050"/>
                 </a:solidFill>
               </a:rPr>
-              <a:t>               { sampleRequirement }  ]</a:t>
+              <a:t>         ]</a:t>
             </a:r>
           </a:p>
           <a:p>
@@ -3793,7 +3804,7 @@
                   <a:srgbClr val="00B050"/>
                 </a:solidFill>
               </a:rPr>
-              <a:t>     }</a:t>
+              <a:t>    }</a:t>
             </a:r>
           </a:p>
           <a:p>
@@ -3971,10 +3982,10 @@
       </p:sp>
       <p:sp>
         <p:nvSpPr>
-          <p:cNvPr id="62" name="ZoneTexte 61">
-            <a:extLst>
-              <a:ext uri="{FF2B5EF4-FFF2-40B4-BE49-F238E27FC236}">
-                <a16:creationId xmlns:a16="http://schemas.microsoft.com/office/drawing/2014/main" id="{8B190FC9-EAB0-4E8D-8078-AB669321D08A}"/>
+          <p:cNvPr id="37" name="ZoneTexte 36">
+            <a:extLst>
+              <a:ext uri="{FF2B5EF4-FFF2-40B4-BE49-F238E27FC236}">
+                <a16:creationId xmlns:a16="http://schemas.microsoft.com/office/drawing/2014/main" id="{A9A21401-4C7C-469C-92E4-F7F7F8906B7A}"/>
               </a:ext>
             </a:extLst>
           </p:cNvPr>
@@ -4026,10 +4037,10 @@
       </p:sp>
       <p:sp>
         <p:nvSpPr>
-          <p:cNvPr id="65" name="Rectangle : coins arrondis 64">
-            <a:extLst>
-              <a:ext uri="{FF2B5EF4-FFF2-40B4-BE49-F238E27FC236}">
-                <a16:creationId xmlns:a16="http://schemas.microsoft.com/office/drawing/2014/main" id="{34AA0056-4207-4A2C-BEF8-D26B39CF58C5}"/>
+          <p:cNvPr id="38" name="Rectangle : coins arrondis 37">
+            <a:extLst>
+              <a:ext uri="{FF2B5EF4-FFF2-40B4-BE49-F238E27FC236}">
+                <a16:creationId xmlns:a16="http://schemas.microsoft.com/office/drawing/2014/main" id="{689D85E9-77D9-4A18-94EE-328CE8CE2158}"/>
               </a:ext>
             </a:extLst>
           </p:cNvPr>
@@ -4116,10 +4127,10 @@
       </p:sp>
       <p:sp>
         <p:nvSpPr>
-          <p:cNvPr id="66" name="Rectangle : coins arrondis 65">
-            <a:extLst>
-              <a:ext uri="{FF2B5EF4-FFF2-40B4-BE49-F238E27FC236}">
-                <a16:creationId xmlns:a16="http://schemas.microsoft.com/office/drawing/2014/main" id="{6DBFCD44-E327-44CB-8931-095C1909DAF1}"/>
+          <p:cNvPr id="39" name="Rectangle : coins arrondis 38">
+            <a:extLst>
+              <a:ext uri="{FF2B5EF4-FFF2-40B4-BE49-F238E27FC236}">
+                <a16:creationId xmlns:a16="http://schemas.microsoft.com/office/drawing/2014/main" id="{20F620CD-893A-452F-8310-90CA5C6D2DDD}"/>
               </a:ext>
             </a:extLst>
           </p:cNvPr>
@@ -4128,7 +4139,7 @@
         </p:nvSpPr>
         <p:spPr>
           <a:xfrm>
-            <a:off x="6816421" y="231959"/>
+            <a:off x="6810659" y="399432"/>
             <a:ext cx="2045105" cy="637968"/>
           </a:xfrm>
           <a:prstGeom prst="roundRect">
@@ -4187,10 +4198,10 @@
       </p:sp>
       <p:sp>
         <p:nvSpPr>
-          <p:cNvPr id="67" name="Rectangle : coins arrondis 66">
-            <a:extLst>
-              <a:ext uri="{FF2B5EF4-FFF2-40B4-BE49-F238E27FC236}">
-                <a16:creationId xmlns:a16="http://schemas.microsoft.com/office/drawing/2014/main" id="{F0B3E012-EE24-4ACB-833A-5EA9B6A083E3}"/>
+          <p:cNvPr id="40" name="Rectangle : coins arrondis 39">
+            <a:extLst>
+              <a:ext uri="{FF2B5EF4-FFF2-40B4-BE49-F238E27FC236}">
+                <a16:creationId xmlns:a16="http://schemas.microsoft.com/office/drawing/2014/main" id="{99B846CD-FF04-46B9-B261-264C63945085}"/>
               </a:ext>
             </a:extLst>
           </p:cNvPr>
@@ -4199,7 +4210,7 @@
         </p:nvSpPr>
         <p:spPr>
           <a:xfrm>
-            <a:off x="6832787" y="1771423"/>
+            <a:off x="6810659" y="1114348"/>
             <a:ext cx="2045105" cy="637968"/>
           </a:xfrm>
           <a:prstGeom prst="roundRect">
@@ -4258,10 +4269,10 @@
       </p:sp>
       <p:sp>
         <p:nvSpPr>
-          <p:cNvPr id="68" name="Rectangle : coins arrondis 67">
-            <a:extLst>
-              <a:ext uri="{FF2B5EF4-FFF2-40B4-BE49-F238E27FC236}">
-                <a16:creationId xmlns:a16="http://schemas.microsoft.com/office/drawing/2014/main" id="{24D87A49-FF55-4695-A860-01790B19F825}"/>
+          <p:cNvPr id="41" name="Rectangle : coins arrondis 40">
+            <a:extLst>
+              <a:ext uri="{FF2B5EF4-FFF2-40B4-BE49-F238E27FC236}">
+                <a16:creationId xmlns:a16="http://schemas.microsoft.com/office/drawing/2014/main" id="{80229672-09AF-47CF-BCF2-9CA563897829}"/>
               </a:ext>
             </a:extLst>
           </p:cNvPr>
@@ -4329,10 +4340,10 @@
       </p:sp>
       <p:sp>
         <p:nvSpPr>
-          <p:cNvPr id="69" name="Rectangle : coins arrondis 68">
-            <a:extLst>
-              <a:ext uri="{FF2B5EF4-FFF2-40B4-BE49-F238E27FC236}">
-                <a16:creationId xmlns:a16="http://schemas.microsoft.com/office/drawing/2014/main" id="{F1B56B52-DE31-47AB-96E1-7232C91F74DE}"/>
+          <p:cNvPr id="42" name="Rectangle : coins arrondis 41">
+            <a:extLst>
+              <a:ext uri="{FF2B5EF4-FFF2-40B4-BE49-F238E27FC236}">
+                <a16:creationId xmlns:a16="http://schemas.microsoft.com/office/drawing/2014/main" id="{E8F6061F-9C27-4818-A262-64D93466BDCB}"/>
               </a:ext>
             </a:extLst>
           </p:cNvPr>
@@ -4400,10 +4411,10 @@
       </p:sp>
       <p:sp>
         <p:nvSpPr>
-          <p:cNvPr id="70" name="Rectangle : coins arrondis 69">
-            <a:extLst>
-              <a:ext uri="{FF2B5EF4-FFF2-40B4-BE49-F238E27FC236}">
-                <a16:creationId xmlns:a16="http://schemas.microsoft.com/office/drawing/2014/main" id="{22E32656-3159-45E5-A0ED-7E0902473A94}"/>
+          <p:cNvPr id="43" name="Rectangle : coins arrondis 42">
+            <a:extLst>
+              <a:ext uri="{FF2B5EF4-FFF2-40B4-BE49-F238E27FC236}">
+                <a16:creationId xmlns:a16="http://schemas.microsoft.com/office/drawing/2014/main" id="{4CB3F9B4-7A3F-41E2-8543-42837F09B394}"/>
               </a:ext>
             </a:extLst>
           </p:cNvPr>
@@ -4471,10 +4482,10 @@
       </p:sp>
       <p:sp>
         <p:nvSpPr>
-          <p:cNvPr id="71" name="Rectangle : coins arrondis 70">
-            <a:extLst>
-              <a:ext uri="{FF2B5EF4-FFF2-40B4-BE49-F238E27FC236}">
-                <a16:creationId xmlns:a16="http://schemas.microsoft.com/office/drawing/2014/main" id="{04882A19-469F-4FF9-9F0B-4F11CEDCDC94}"/>
+          <p:cNvPr id="44" name="Rectangle : coins arrondis 43">
+            <a:extLst>
+              <a:ext uri="{FF2B5EF4-FFF2-40B4-BE49-F238E27FC236}">
+                <a16:creationId xmlns:a16="http://schemas.microsoft.com/office/drawing/2014/main" id="{C9DDB90B-9571-4355-87A5-52AFDF8AB64A}"/>
               </a:ext>
             </a:extLst>
           </p:cNvPr>
@@ -4542,23 +4553,23 @@
       </p:sp>
       <p:cxnSp>
         <p:nvCxnSpPr>
-          <p:cNvPr id="73" name="Connecteur droit avec flèche 72">
-            <a:extLst>
-              <a:ext uri="{FF2B5EF4-FFF2-40B4-BE49-F238E27FC236}">
-                <a16:creationId xmlns:a16="http://schemas.microsoft.com/office/drawing/2014/main" id="{85B2DFDC-2BD5-482C-B0CF-9356349C79C2}"/>
+          <p:cNvPr id="45" name="Connecteur droit avec flèche 44">
+            <a:extLst>
+              <a:ext uri="{FF2B5EF4-FFF2-40B4-BE49-F238E27FC236}">
+                <a16:creationId xmlns:a16="http://schemas.microsoft.com/office/drawing/2014/main" id="{A0FA69F6-0578-4CB3-ACFD-AE8E14B003A7}"/>
               </a:ext>
             </a:extLst>
           </p:cNvPr>
           <p:cNvCxnSpPr>
             <a:cxnSpLocks/>
-            <a:endCxn id="66" idx="1"/>
+            <a:endCxn id="39" idx="1"/>
           </p:cNvCxnSpPr>
           <p:nvPr/>
         </p:nvCxnSpPr>
         <p:spPr>
           <a:xfrm flipV="1">
-            <a:off x="5505057" y="550943"/>
-            <a:ext cx="1311364" cy="2168624"/>
+            <a:off x="5643729" y="718416"/>
+            <a:ext cx="1166930" cy="2004571"/>
           </a:xfrm>
           <a:prstGeom prst="straightConnector1">
             <a:avLst/>
@@ -4587,10 +4598,10 @@
       </p:cxnSp>
       <p:cxnSp>
         <p:nvCxnSpPr>
-          <p:cNvPr id="74" name="Connecteur droit avec flèche 73">
-            <a:extLst>
-              <a:ext uri="{FF2B5EF4-FFF2-40B4-BE49-F238E27FC236}">
-                <a16:creationId xmlns:a16="http://schemas.microsoft.com/office/drawing/2014/main" id="{35FC809B-7354-4B06-8A14-31FC5C2F9AEE}"/>
+          <p:cNvPr id="46" name="Connecteur droit avec flèche 45">
+            <a:extLst>
+              <a:ext uri="{FF2B5EF4-FFF2-40B4-BE49-F238E27FC236}">
+                <a16:creationId xmlns:a16="http://schemas.microsoft.com/office/drawing/2014/main" id="{B42EC282-D48A-47F9-904C-4CCD0C49BD6C}"/>
               </a:ext>
             </a:extLst>
           </p:cNvPr>
@@ -4631,23 +4642,23 @@
       </p:cxnSp>
       <p:cxnSp>
         <p:nvCxnSpPr>
-          <p:cNvPr id="75" name="Connecteur droit avec flèche 74">
-            <a:extLst>
-              <a:ext uri="{FF2B5EF4-FFF2-40B4-BE49-F238E27FC236}">
-                <a16:creationId xmlns:a16="http://schemas.microsoft.com/office/drawing/2014/main" id="{6F0009AD-0066-4281-8B62-2526C6EF7B48}"/>
+          <p:cNvPr id="47" name="Connecteur droit avec flèche 46">
+            <a:extLst>
+              <a:ext uri="{FF2B5EF4-FFF2-40B4-BE49-F238E27FC236}">
+                <a16:creationId xmlns:a16="http://schemas.microsoft.com/office/drawing/2014/main" id="{77F45383-2F5A-4B03-B06F-6FD7A7FED27E}"/>
               </a:ext>
             </a:extLst>
           </p:cNvPr>
           <p:cNvCxnSpPr>
             <a:cxnSpLocks/>
-            <a:endCxn id="80" idx="1"/>
+            <a:endCxn id="50" idx="1"/>
           </p:cNvCxnSpPr>
           <p:nvPr/>
         </p:nvCxnSpPr>
         <p:spPr>
           <a:xfrm flipV="1">
-            <a:off x="5011922" y="3020293"/>
-            <a:ext cx="1512555" cy="2406472"/>
+            <a:off x="4548146" y="3020293"/>
+            <a:ext cx="1976330" cy="2637378"/>
           </a:xfrm>
           <a:prstGeom prst="straightConnector1">
             <a:avLst/>
@@ -4676,10 +4687,10 @@
       </p:cxnSp>
       <p:sp>
         <p:nvSpPr>
-          <p:cNvPr id="77" name="Rectangle : coins arrondis 76">
-            <a:extLst>
-              <a:ext uri="{FF2B5EF4-FFF2-40B4-BE49-F238E27FC236}">
-                <a16:creationId xmlns:a16="http://schemas.microsoft.com/office/drawing/2014/main" id="{6A6BB385-3740-4187-A805-73AA3B417E44}"/>
+          <p:cNvPr id="48" name="Rectangle : coins arrondis 47">
+            <a:extLst>
+              <a:ext uri="{FF2B5EF4-FFF2-40B4-BE49-F238E27FC236}">
+                <a16:creationId xmlns:a16="http://schemas.microsoft.com/office/drawing/2014/main" id="{DFF12442-0139-4B50-8E12-31B37B9BFEA3}"/>
               </a:ext>
             </a:extLst>
           </p:cNvPr>
@@ -4810,23 +4821,23 @@
       </p:sp>
       <p:cxnSp>
         <p:nvCxnSpPr>
-          <p:cNvPr id="79" name="Connecteur droit avec flèche 78">
-            <a:extLst>
-              <a:ext uri="{FF2B5EF4-FFF2-40B4-BE49-F238E27FC236}">
-                <a16:creationId xmlns:a16="http://schemas.microsoft.com/office/drawing/2014/main" id="{7EE5518F-0DE3-4E43-8990-E3AAE2F77304}"/>
+          <p:cNvPr id="49" name="Connecteur droit avec flèche 48">
+            <a:extLst>
+              <a:ext uri="{FF2B5EF4-FFF2-40B4-BE49-F238E27FC236}">
+                <a16:creationId xmlns:a16="http://schemas.microsoft.com/office/drawing/2014/main" id="{C3F89C18-FBB1-4273-AED3-D70B1749C7B4}"/>
               </a:ext>
             </a:extLst>
           </p:cNvPr>
           <p:cNvCxnSpPr>
             <a:cxnSpLocks/>
-            <a:endCxn id="65" idx="1"/>
+            <a:endCxn id="38" idx="1"/>
           </p:cNvCxnSpPr>
           <p:nvPr/>
         </p:nvCxnSpPr>
         <p:spPr>
           <a:xfrm flipV="1">
-            <a:off x="5022574" y="4081348"/>
-            <a:ext cx="1399316" cy="1792755"/>
+            <a:off x="4992573" y="4081348"/>
+            <a:ext cx="1429317" cy="2030658"/>
           </a:xfrm>
           <a:prstGeom prst="straightConnector1">
             <a:avLst/>
@@ -4855,10 +4866,10 @@
       </p:cxnSp>
       <p:sp>
         <p:nvSpPr>
-          <p:cNvPr id="80" name="Rectangle : coins arrondis 79">
-            <a:extLst>
-              <a:ext uri="{FF2B5EF4-FFF2-40B4-BE49-F238E27FC236}">
-                <a16:creationId xmlns:a16="http://schemas.microsoft.com/office/drawing/2014/main" id="{2BB650E9-DCCF-4CC4-937E-D4995FA3CD9C}"/>
+          <p:cNvPr id="50" name="Rectangle : coins arrondis 49">
+            <a:extLst>
+              <a:ext uri="{FF2B5EF4-FFF2-40B4-BE49-F238E27FC236}">
+                <a16:creationId xmlns:a16="http://schemas.microsoft.com/office/drawing/2014/main" id="{66CAE93C-5E30-4304-ACEA-82042D680C48}"/>
               </a:ext>
             </a:extLst>
           </p:cNvPr>
@@ -4867,8 +4878,8 @@
         </p:nvSpPr>
         <p:spPr>
           <a:xfrm>
-            <a:off x="6524477" y="2565958"/>
-            <a:ext cx="3095258" cy="908669"/>
+            <a:off x="6524476" y="2565958"/>
+            <a:ext cx="3209245" cy="908669"/>
           </a:xfrm>
           <a:prstGeom prst="roundRect">
             <a:avLst>
@@ -4908,18 +4919,17 @@
                   <a:srgbClr val="0070C0"/>
                 </a:solidFill>
               </a:rPr>
-              <a:t>ActivityDefinition</a:t>
-            </a:r>
-          </a:p>
-          <a:p>
-            <a:pPr marL="268288"/>
+              <a:t>ActivityDefinition </a:t>
+            </a:r>
+          </a:p>
+          <a:p>
             <a:r>
               <a:rPr lang="en-US" sz="1600" noProof="1">
                 <a:solidFill>
                   <a:srgbClr val="0070C0"/>
                 </a:solidFill>
               </a:rPr>
-              <a:t>title: </a:t>
+              <a:t> title: </a:t>
             </a:r>
             <a:r>
               <a:rPr lang="en-US" sz="1600" noProof="1">
@@ -4927,11 +4937,18 @@
                   <a:schemeClr val="tx1"/>
                 </a:solidFill>
               </a:rPr>
-              <a:t>creatinine clearance</a:t>
-            </a:r>
-          </a:p>
-          <a:p>
-            <a:pPr marL="268288"/>
+              <a:t>creatinine 24h renal clearance</a:t>
+            </a:r>
+          </a:p>
+          <a:p>
+            <a:r>
+              <a:rPr lang="en-US" sz="1600" noProof="1">
+                <a:solidFill>
+                  <a:schemeClr val="tx1"/>
+                </a:solidFill>
+              </a:rPr>
+              <a:t> </a:t>
+            </a:r>
             <a:r>
               <a:rPr lang="en-US" sz="1600" noProof="1">
                 <a:solidFill>
@@ -4945,22 +4962,23 @@
       </p:sp>
       <p:cxnSp>
         <p:nvCxnSpPr>
-          <p:cNvPr id="81" name="Connecteur droit avec flèche 80">
-            <a:extLst>
-              <a:ext uri="{FF2B5EF4-FFF2-40B4-BE49-F238E27FC236}">
-                <a16:creationId xmlns:a16="http://schemas.microsoft.com/office/drawing/2014/main" id="{9085F4A1-F750-40E0-93D7-28ABADA2CA11}"/>
+          <p:cNvPr id="51" name="Connecteur droit avec flèche 50">
+            <a:extLst>
+              <a:ext uri="{FF2B5EF4-FFF2-40B4-BE49-F238E27FC236}">
+                <a16:creationId xmlns:a16="http://schemas.microsoft.com/office/drawing/2014/main" id="{C8541941-3493-4FCB-A51F-6A2188070E28}"/>
               </a:ext>
             </a:extLst>
           </p:cNvPr>
           <p:cNvCxnSpPr>
             <a:cxnSpLocks/>
+            <a:endCxn id="48" idx="1"/>
           </p:cNvCxnSpPr>
           <p:nvPr/>
         </p:nvCxnSpPr>
         <p:spPr>
           <a:xfrm flipV="1">
-            <a:off x="5022574" y="6004504"/>
-            <a:ext cx="1273035" cy="325341"/>
+            <a:off x="4866292" y="5659090"/>
+            <a:ext cx="1555598" cy="956476"/>
           </a:xfrm>
           <a:prstGeom prst="straightConnector1">
             <a:avLst/>
@@ -4989,23 +5007,23 @@
       </p:cxnSp>
       <p:cxnSp>
         <p:nvCxnSpPr>
-          <p:cNvPr id="83" name="Connecteur droit avec flèche 82">
-            <a:extLst>
-              <a:ext uri="{FF2B5EF4-FFF2-40B4-BE49-F238E27FC236}">
-                <a16:creationId xmlns:a16="http://schemas.microsoft.com/office/drawing/2014/main" id="{C753FB26-6F6A-49F7-8CFC-8A5220B9D8BE}"/>
+          <p:cNvPr id="52" name="Connecteur droit avec flèche 51">
+            <a:extLst>
+              <a:ext uri="{FF2B5EF4-FFF2-40B4-BE49-F238E27FC236}">
+                <a16:creationId xmlns:a16="http://schemas.microsoft.com/office/drawing/2014/main" id="{67A377DA-5A7D-4268-96C0-156B75DBA9D9}"/>
               </a:ext>
             </a:extLst>
           </p:cNvPr>
           <p:cNvCxnSpPr>
             <a:cxnSpLocks/>
-            <a:endCxn id="71" idx="1"/>
+            <a:endCxn id="44" idx="1"/>
           </p:cNvCxnSpPr>
           <p:nvPr/>
         </p:nvCxnSpPr>
         <p:spPr>
           <a:xfrm flipV="1">
-            <a:off x="9246637" y="2957970"/>
-            <a:ext cx="683726" cy="100450"/>
+            <a:off x="9476838" y="2957970"/>
+            <a:ext cx="453525" cy="339551"/>
           </a:xfrm>
           <a:prstGeom prst="straightConnector1">
             <a:avLst/>
@@ -5034,16 +5052,16 @@
       </p:cxnSp>
       <p:cxnSp>
         <p:nvCxnSpPr>
-          <p:cNvPr id="84" name="Connecteur droit avec flèche 83">
-            <a:extLst>
-              <a:ext uri="{FF2B5EF4-FFF2-40B4-BE49-F238E27FC236}">
-                <a16:creationId xmlns:a16="http://schemas.microsoft.com/office/drawing/2014/main" id="{30B83AF2-306A-490C-B440-9471401ADCA3}"/>
+          <p:cNvPr id="53" name="Connecteur droit avec flèche 52">
+            <a:extLst>
+              <a:ext uri="{FF2B5EF4-FFF2-40B4-BE49-F238E27FC236}">
+                <a16:creationId xmlns:a16="http://schemas.microsoft.com/office/drawing/2014/main" id="{6B10328A-DA53-440A-BC3C-F2DFF7ECE4DF}"/>
               </a:ext>
             </a:extLst>
           </p:cNvPr>
           <p:cNvCxnSpPr>
             <a:cxnSpLocks/>
-            <a:endCxn id="68" idx="1"/>
+            <a:endCxn id="41" idx="1"/>
           </p:cNvCxnSpPr>
           <p:nvPr/>
         </p:nvCxnSpPr>
@@ -5079,16 +5097,16 @@
       </p:cxnSp>
       <p:cxnSp>
         <p:nvCxnSpPr>
-          <p:cNvPr id="86" name="Connecteur droit avec flèche 85">
-            <a:extLst>
-              <a:ext uri="{FF2B5EF4-FFF2-40B4-BE49-F238E27FC236}">
-                <a16:creationId xmlns:a16="http://schemas.microsoft.com/office/drawing/2014/main" id="{33934360-9BE1-4A2A-84EF-E54EFF1A55C2}"/>
+          <p:cNvPr id="54" name="Connecteur droit avec flèche 53">
+            <a:extLst>
+              <a:ext uri="{FF2B5EF4-FFF2-40B4-BE49-F238E27FC236}">
+                <a16:creationId xmlns:a16="http://schemas.microsoft.com/office/drawing/2014/main" id="{12CA9F10-AEE4-490E-80BD-6443243B656D}"/>
               </a:ext>
             </a:extLst>
           </p:cNvPr>
           <p:cNvCxnSpPr>
             <a:cxnSpLocks/>
-            <a:endCxn id="69" idx="1"/>
+            <a:endCxn id="42" idx="1"/>
           </p:cNvCxnSpPr>
           <p:nvPr/>
         </p:nvCxnSpPr>
@@ -5124,16 +5142,16 @@
       </p:cxnSp>
       <p:cxnSp>
         <p:nvCxnSpPr>
-          <p:cNvPr id="87" name="Connecteur droit avec flèche 86">
-            <a:extLst>
-              <a:ext uri="{FF2B5EF4-FFF2-40B4-BE49-F238E27FC236}">
-                <a16:creationId xmlns:a16="http://schemas.microsoft.com/office/drawing/2014/main" id="{1C216562-C00C-4977-A343-FFE810726B92}"/>
+          <p:cNvPr id="55" name="Connecteur droit avec flèche 54">
+            <a:extLst>
+              <a:ext uri="{FF2B5EF4-FFF2-40B4-BE49-F238E27FC236}">
+                <a16:creationId xmlns:a16="http://schemas.microsoft.com/office/drawing/2014/main" id="{35D42478-8D30-48B1-AC8A-74A595F9EE8F}"/>
               </a:ext>
             </a:extLst>
           </p:cNvPr>
           <p:cNvCxnSpPr>
             <a:cxnSpLocks/>
-            <a:endCxn id="70" idx="1"/>
+            <a:endCxn id="43" idx="1"/>
           </p:cNvCxnSpPr>
           <p:nvPr/>
         </p:nvCxnSpPr>
@@ -5169,10 +5187,10 @@
       </p:cxnSp>
       <p:cxnSp>
         <p:nvCxnSpPr>
-          <p:cNvPr id="89" name="Connecteur droit avec flèche 88">
-            <a:extLst>
-              <a:ext uri="{FF2B5EF4-FFF2-40B4-BE49-F238E27FC236}">
-                <a16:creationId xmlns:a16="http://schemas.microsoft.com/office/drawing/2014/main" id="{C2CA7E56-A88E-4696-A28C-11A904B5D6CB}"/>
+          <p:cNvPr id="56" name="Connecteur droit avec flèche 55">
+            <a:extLst>
+              <a:ext uri="{FF2B5EF4-FFF2-40B4-BE49-F238E27FC236}">
+                <a16:creationId xmlns:a16="http://schemas.microsoft.com/office/drawing/2014/main" id="{DF50659C-B937-4826-A799-AD8BCF065326}"/>
               </a:ext>
             </a:extLst>
           </p:cNvPr>
@@ -5213,10 +5231,10 @@
       </p:cxnSp>
       <p:cxnSp>
         <p:nvCxnSpPr>
-          <p:cNvPr id="90" name="Connecteur droit avec flèche 89">
-            <a:extLst>
-              <a:ext uri="{FF2B5EF4-FFF2-40B4-BE49-F238E27FC236}">
-                <a16:creationId xmlns:a16="http://schemas.microsoft.com/office/drawing/2014/main" id="{18267E09-D7D0-4734-886D-199E63D6E07D}"/>
+          <p:cNvPr id="60" name="Connecteur droit avec flèche 59">
+            <a:extLst>
+              <a:ext uri="{FF2B5EF4-FFF2-40B4-BE49-F238E27FC236}">
+                <a16:creationId xmlns:a16="http://schemas.microsoft.com/office/drawing/2014/main" id="{1733D696-D8A0-4997-A9AB-98C7A7682B16}"/>
               </a:ext>
             </a:extLst>
           </p:cNvPr>
@@ -5257,10 +5275,10 @@
       </p:cxnSp>
       <p:sp>
         <p:nvSpPr>
-          <p:cNvPr id="91" name="Accolade ouvrante 90">
-            <a:extLst>
-              <a:ext uri="{FF2B5EF4-FFF2-40B4-BE49-F238E27FC236}">
-                <a16:creationId xmlns:a16="http://schemas.microsoft.com/office/drawing/2014/main" id="{365EDF00-1461-4280-874A-066FD3080C6A}"/>
+          <p:cNvPr id="63" name="Accolade ouvrante 62">
+            <a:extLst>
+              <a:ext uri="{FF2B5EF4-FFF2-40B4-BE49-F238E27FC236}">
+                <a16:creationId xmlns:a16="http://schemas.microsoft.com/office/drawing/2014/main" id="{B311068E-BDA0-44E1-A898-CDF9439197BD}"/>
               </a:ext>
             </a:extLst>
           </p:cNvPr>
@@ -5269,8 +5287,8 @@
         </p:nvSpPr>
         <p:spPr>
           <a:xfrm>
-            <a:off x="2093895" y="5637942"/>
-            <a:ext cx="540485" cy="820898"/>
+            <a:off x="2459655" y="5856161"/>
+            <a:ext cx="265479" cy="820898"/>
           </a:xfrm>
           <a:prstGeom prst="leftBrace">
             <a:avLst>
@@ -5305,16 +5323,16 @@
           <a:lstStyle/>
           <a:p>
             <a:pPr algn="ctr"/>
-            <a:endParaRPr lang="fr-FR"/>
-          </a:p>
-        </p:txBody>
-      </p:sp>
-      <p:sp>
-        <p:nvSpPr>
-          <p:cNvPr id="92" name="ZoneTexte 91">
-            <a:extLst>
-              <a:ext uri="{FF2B5EF4-FFF2-40B4-BE49-F238E27FC236}">
-                <a16:creationId xmlns:a16="http://schemas.microsoft.com/office/drawing/2014/main" id="{1189FE8D-CA59-4811-92B9-162DD11229E3}"/>
+            <a:endParaRPr lang="en-US" dirty="0"/>
+          </a:p>
+        </p:txBody>
+      </p:sp>
+      <p:sp>
+        <p:nvSpPr>
+          <p:cNvPr id="64" name="ZoneTexte 63">
+            <a:extLst>
+              <a:ext uri="{FF2B5EF4-FFF2-40B4-BE49-F238E27FC236}">
+                <a16:creationId xmlns:a16="http://schemas.microsoft.com/office/drawing/2014/main" id="{D00F2482-9CB5-434E-9CA7-6411EB662C11}"/>
               </a:ext>
             </a:extLst>
           </p:cNvPr>
@@ -5323,8 +5341,8 @@
         </p:nvSpPr>
         <p:spPr>
           <a:xfrm>
-            <a:off x="634528" y="5854161"/>
-            <a:ext cx="1326627" cy="369332"/>
+            <a:off x="91729" y="5825265"/>
+            <a:ext cx="2175180" cy="923330"/>
           </a:xfrm>
           <a:prstGeom prst="rect">
             <a:avLst/>
@@ -5338,24 +5356,24 @@
           <a:lstStyle/>
           <a:p>
             <a:r>
-              <a:rPr lang="fr-FR" dirty="0">
+              <a:rPr lang="en-US" dirty="0">
                 <a:solidFill>
                   <a:schemeClr val="accent2">
                     <a:lumMod val="50000"/>
                   </a:schemeClr>
                 </a:solidFill>
               </a:rPr>
-              <a:t>Group AND</a:t>
+              <a:t>Group AND: adds sub-actions for test and panel embedded</a:t>
             </a:r>
           </a:p>
         </p:txBody>
       </p:sp>
       <p:cxnSp>
         <p:nvCxnSpPr>
-          <p:cNvPr id="93" name="Connecteur droit avec flèche 92">
-            <a:extLst>
-              <a:ext uri="{FF2B5EF4-FFF2-40B4-BE49-F238E27FC236}">
-                <a16:creationId xmlns:a16="http://schemas.microsoft.com/office/drawing/2014/main" id="{FD6A5A16-C8FC-404C-B75E-E703BB534BA5}"/>
+          <p:cNvPr id="72" name="Connecteur droit avec flèche 71">
+            <a:extLst>
+              <a:ext uri="{FF2B5EF4-FFF2-40B4-BE49-F238E27FC236}">
+                <a16:creationId xmlns:a16="http://schemas.microsoft.com/office/drawing/2014/main" id="{39DEF9A7-D27C-436E-BA0D-6E0743F73223}"/>
               </a:ext>
             </a:extLst>
           </p:cNvPr>
@@ -5396,10 +5414,10 @@
       </p:cxnSp>
       <p:sp>
         <p:nvSpPr>
-          <p:cNvPr id="94" name="Rectangle : coins arrondis 93">
-            <a:extLst>
-              <a:ext uri="{FF2B5EF4-FFF2-40B4-BE49-F238E27FC236}">
-                <a16:creationId xmlns:a16="http://schemas.microsoft.com/office/drawing/2014/main" id="{9CD50DB6-4ABA-420F-A220-3DA5AED2BAEA}"/>
+          <p:cNvPr id="76" name="Rectangle : coins arrondis 75">
+            <a:extLst>
+              <a:ext uri="{FF2B5EF4-FFF2-40B4-BE49-F238E27FC236}">
+                <a16:creationId xmlns:a16="http://schemas.microsoft.com/office/drawing/2014/main" id="{B7AB1C14-2EE5-405E-BBAD-E54E3A100140}"/>
               </a:ext>
             </a:extLst>
           </p:cNvPr>
@@ -5511,68 +5529,23 @@
       </p:sp>
       <p:cxnSp>
         <p:nvCxnSpPr>
-          <p:cNvPr id="95" name="Connecteur droit avec flèche 94">
-            <a:extLst>
-              <a:ext uri="{FF2B5EF4-FFF2-40B4-BE49-F238E27FC236}">
-                <a16:creationId xmlns:a16="http://schemas.microsoft.com/office/drawing/2014/main" id="{0D0D842F-2BC5-4F4D-AE95-A2C42515EA40}"/>
+          <p:cNvPr id="78" name="Connecteur droit avec flèche 77">
+            <a:extLst>
+              <a:ext uri="{FF2B5EF4-FFF2-40B4-BE49-F238E27FC236}">
+                <a16:creationId xmlns:a16="http://schemas.microsoft.com/office/drawing/2014/main" id="{988F82FF-3B64-48DA-8230-83F8F2F86E8A}"/>
               </a:ext>
             </a:extLst>
           </p:cNvPr>
           <p:cNvCxnSpPr>
             <a:cxnSpLocks/>
-            <a:endCxn id="67" idx="1"/>
+            <a:endCxn id="40" idx="1"/>
           </p:cNvCxnSpPr>
           <p:nvPr/>
         </p:nvCxnSpPr>
         <p:spPr>
           <a:xfrm flipV="1">
-            <a:off x="5439153" y="2090407"/>
-            <a:ext cx="1393634" cy="1796202"/>
-          </a:xfrm>
-          <a:prstGeom prst="straightConnector1">
-            <a:avLst/>
-          </a:prstGeom>
-          <a:ln>
-            <a:solidFill>
-              <a:srgbClr val="00B050"/>
-            </a:solidFill>
-            <a:tailEnd type="triangle" w="lg" len="lg"/>
-          </a:ln>
-        </p:spPr>
-        <p:style>
-          <a:lnRef idx="1">
-            <a:schemeClr val="accent1"/>
-          </a:lnRef>
-          <a:fillRef idx="0">
-            <a:schemeClr val="accent1"/>
-          </a:fillRef>
-          <a:effectRef idx="0">
-            <a:schemeClr val="accent1"/>
-          </a:effectRef>
-          <a:fontRef idx="minor">
-            <a:schemeClr val="tx1"/>
-          </a:fontRef>
-        </p:style>
-      </p:cxnSp>
-      <p:cxnSp>
-        <p:nvCxnSpPr>
-          <p:cNvPr id="96" name="Connecteur droit avec flèche 95">
-            <a:extLst>
-              <a:ext uri="{FF2B5EF4-FFF2-40B4-BE49-F238E27FC236}">
-                <a16:creationId xmlns:a16="http://schemas.microsoft.com/office/drawing/2014/main" id="{305EFC0C-B5E7-4622-9172-87A8A69AB13B}"/>
-              </a:ext>
-            </a:extLst>
-          </p:cNvPr>
-          <p:cNvCxnSpPr>
-            <a:cxnSpLocks/>
-            <a:endCxn id="57" idx="1"/>
-          </p:cNvCxnSpPr>
-          <p:nvPr/>
-        </p:nvCxnSpPr>
-        <p:spPr>
-          <a:xfrm flipV="1">
-            <a:off x="5420522" y="1321988"/>
-            <a:ext cx="1414530" cy="2303618"/>
+            <a:off x="5604400" y="1433332"/>
+            <a:ext cx="1206259" cy="1521097"/>
           </a:xfrm>
           <a:prstGeom prst="straightConnector1">
             <a:avLst/>

--- a/input/images-source/LabExampleE5Technical.pptx
+++ b/input/images-source/LabExampleE5Technical.pptx
@@ -259,7 +259,7 @@
           <a:p>
             <a:fld id="{82A80506-317F-4DB9-92D4-7565E8A7FA19}" type="datetimeFigureOut">
               <a:rPr lang="fr-FR" smtClean="0"/>
-              <a:t>09/06/2020</a:t>
+              <a:t>12/06/2020</a:t>
             </a:fld>
             <a:endParaRPr lang="fr-FR"/>
           </a:p>
@@ -457,7 +457,7 @@
           <a:p>
             <a:fld id="{82A80506-317F-4DB9-92D4-7565E8A7FA19}" type="datetimeFigureOut">
               <a:rPr lang="fr-FR" smtClean="0"/>
-              <a:t>09/06/2020</a:t>
+              <a:t>12/06/2020</a:t>
             </a:fld>
             <a:endParaRPr lang="fr-FR"/>
           </a:p>
@@ -665,7 +665,7 @@
           <a:p>
             <a:fld id="{82A80506-317F-4DB9-92D4-7565E8A7FA19}" type="datetimeFigureOut">
               <a:rPr lang="fr-FR" smtClean="0"/>
-              <a:t>09/06/2020</a:t>
+              <a:t>12/06/2020</a:t>
             </a:fld>
             <a:endParaRPr lang="fr-FR"/>
           </a:p>
@@ -863,7 +863,7 @@
           <a:p>
             <a:fld id="{82A80506-317F-4DB9-92D4-7565E8A7FA19}" type="datetimeFigureOut">
               <a:rPr lang="fr-FR" smtClean="0"/>
-              <a:t>09/06/2020</a:t>
+              <a:t>12/06/2020</a:t>
             </a:fld>
             <a:endParaRPr lang="fr-FR"/>
           </a:p>
@@ -1138,7 +1138,7 @@
           <a:p>
             <a:fld id="{82A80506-317F-4DB9-92D4-7565E8A7FA19}" type="datetimeFigureOut">
               <a:rPr lang="fr-FR" smtClean="0"/>
-              <a:t>09/06/2020</a:t>
+              <a:t>12/06/2020</a:t>
             </a:fld>
             <a:endParaRPr lang="fr-FR"/>
           </a:p>
@@ -1403,7 +1403,7 @@
           <a:p>
             <a:fld id="{82A80506-317F-4DB9-92D4-7565E8A7FA19}" type="datetimeFigureOut">
               <a:rPr lang="fr-FR" smtClean="0"/>
-              <a:t>09/06/2020</a:t>
+              <a:t>12/06/2020</a:t>
             </a:fld>
             <a:endParaRPr lang="fr-FR"/>
           </a:p>
@@ -1815,7 +1815,7 @@
           <a:p>
             <a:fld id="{82A80506-317F-4DB9-92D4-7565E8A7FA19}" type="datetimeFigureOut">
               <a:rPr lang="fr-FR" smtClean="0"/>
-              <a:t>09/06/2020</a:t>
+              <a:t>12/06/2020</a:t>
             </a:fld>
             <a:endParaRPr lang="fr-FR"/>
           </a:p>
@@ -1956,7 +1956,7 @@
           <a:p>
             <a:fld id="{82A80506-317F-4DB9-92D4-7565E8A7FA19}" type="datetimeFigureOut">
               <a:rPr lang="fr-FR" smtClean="0"/>
-              <a:t>09/06/2020</a:t>
+              <a:t>12/06/2020</a:t>
             </a:fld>
             <a:endParaRPr lang="fr-FR"/>
           </a:p>
@@ -2069,7 +2069,7 @@
           <a:p>
             <a:fld id="{82A80506-317F-4DB9-92D4-7565E8A7FA19}" type="datetimeFigureOut">
               <a:rPr lang="fr-FR" smtClean="0"/>
-              <a:t>09/06/2020</a:t>
+              <a:t>12/06/2020</a:t>
             </a:fld>
             <a:endParaRPr lang="fr-FR"/>
           </a:p>
@@ -2380,7 +2380,7 @@
           <a:p>
             <a:fld id="{82A80506-317F-4DB9-92D4-7565E8A7FA19}" type="datetimeFigureOut">
               <a:rPr lang="fr-FR" smtClean="0"/>
-              <a:t>09/06/2020</a:t>
+              <a:t>12/06/2020</a:t>
             </a:fld>
             <a:endParaRPr lang="fr-FR"/>
           </a:p>
@@ -2668,7 +2668,7 @@
           <a:p>
             <a:fld id="{82A80506-317F-4DB9-92D4-7565E8A7FA19}" type="datetimeFigureOut">
               <a:rPr lang="fr-FR" smtClean="0"/>
-              <a:t>09/06/2020</a:t>
+              <a:t>12/06/2020</a:t>
             </a:fld>
             <a:endParaRPr lang="fr-FR"/>
           </a:p>
@@ -2909,7 +2909,7 @@
           <a:p>
             <a:fld id="{82A80506-317F-4DB9-92D4-7565E8A7FA19}" type="datetimeFigureOut">
               <a:rPr lang="fr-FR" smtClean="0"/>
-              <a:t>09/06/2020</a:t>
+              <a:t>12/06/2020</a:t>
             </a:fld>
             <a:endParaRPr lang="fr-FR"/>
           </a:p>
@@ -3414,8 +3414,8 @@
         </p:nvCxnSpPr>
         <p:spPr>
           <a:xfrm flipV="1">
-            <a:off x="5574609" y="2155977"/>
-            <a:ext cx="973663" cy="1774377"/>
+            <a:off x="5045901" y="2155977"/>
+            <a:ext cx="1502371" cy="1774377"/>
           </a:xfrm>
           <a:prstGeom prst="straightConnector1">
             <a:avLst/>
@@ -3705,7 +3705,7 @@
                   <a:srgbClr val="00B050"/>
                 </a:solidFill>
               </a:rPr>
-              <a:t>specimenRequirements [ </a:t>
+              <a:t>specimenRequested [ </a:t>
             </a:r>
           </a:p>
           <a:p>
@@ -3727,7 +3727,7 @@
                   <a:srgbClr val="00B050"/>
                 </a:solidFill>
               </a:rPr>
-              <a:t>             { sampleRequirement  [] }, </a:t>
+              <a:t>             { material  [] }, </a:t>
             </a:r>
           </a:p>
           <a:p>
@@ -3738,7 +3738,7 @@
                   <a:srgbClr val="00B050"/>
                 </a:solidFill>
               </a:rPr>
-              <a:t>             { sampleRequirement  [] }</a:t>
+              <a:t>             {material  [] }</a:t>
             </a:r>
           </a:p>
           <a:p>
@@ -3782,7 +3782,7 @@
                   <a:srgbClr val="00B050"/>
                 </a:solidFill>
               </a:rPr>
-              <a:t>             { sampleRequirement  [] }</a:t>
+              <a:t>             {material  [] }</a:t>
             </a:r>
           </a:p>
           <a:p>
@@ -4568,8 +4568,8 @@
         </p:nvCxnSpPr>
         <p:spPr>
           <a:xfrm flipV="1">
-            <a:off x="5643729" y="718416"/>
-            <a:ext cx="1166930" cy="2004571"/>
+            <a:off x="5121965" y="718416"/>
+            <a:ext cx="1688694" cy="2004906"/>
           </a:xfrm>
           <a:prstGeom prst="straightConnector1">
             <a:avLst/>
@@ -5544,8 +5544,8 @@
         </p:nvCxnSpPr>
         <p:spPr>
           <a:xfrm flipV="1">
-            <a:off x="5604400" y="1433332"/>
-            <a:ext cx="1206259" cy="1521097"/>
+            <a:off x="5121965" y="1433332"/>
+            <a:ext cx="1688694" cy="1524638"/>
           </a:xfrm>
           <a:prstGeom prst="straightConnector1">
             <a:avLst/>
